--- a/4 ⚙️ Solution/20 🧑‍🦰 UI/26 🗂️ Folders/.📎 Assets/🗂️.pptx
+++ b/4 ⚙️ Solution/20 🧑‍🦰 UI/26 🗂️ Folders/.📎 Assets/🗂️.pptx
@@ -3366,7 +3366,7 @@
           <p:spPr>
             <a:xfrm>
               <a:off x="5365476" y="2513228"/>
-              <a:ext cx="1974038" cy="400110"/>
+              <a:ext cx="1974038" cy="420628"/>
             </a:xfrm>
             <a:prstGeom prst="rect">
               <a:avLst/>
@@ -3385,12 +3385,24 @@
                   <a:latin typeface="+mj-lt"/>
                   <a:cs typeface="Arial" panose="020B0604020202020204" pitchFamily="34" charset="0"/>
                 </a:rPr>
-                <a:t>Editor 📝</a:t>
+                <a:t>Editor </a:t>
               </a:r>
-              <a:endParaRPr lang="en-GB" sz="2400" dirty="0">
-                <a:latin typeface="+mj-lt"/>
-                <a:cs typeface="Arial" panose="020B0604020202020204" pitchFamily="34" charset="0"/>
-              </a:endParaRPr>
+              <a:r>
+                <a:rPr lang="en-GB" sz="3200" baseline="-9000" dirty="0">
+                  <a:solidFill>
+                    <a:schemeClr val="bg2">
+                      <a:lumMod val="40000"/>
+                      <a:lumOff val="60000"/>
+                    </a:schemeClr>
+                  </a:solidFill>
+                  <a:effectLst>
+                    <a:glow>
+                      <a:schemeClr val="bg1"/>
+                    </a:glow>
+                  </a:effectLst>
+                </a:rPr>
+                <a:t>📝</a:t>
+              </a:r>
             </a:p>
           </p:txBody>
         </p:sp>
@@ -3414,7 +3426,7 @@
         <p:spPr>
           <a:xfrm flipV="1">
             <a:off x="3631271" y="3093515"/>
-            <a:ext cx="3525553" cy="698"/>
+            <a:ext cx="3525553" cy="10957"/>
           </a:xfrm>
           <a:prstGeom prst="straightConnector1">
             <a:avLst/>
@@ -3508,9 +3520,9 @@
           <p:nvPr/>
         </p:nvCxnSpPr>
         <p:spPr>
-          <a:xfrm flipV="1">
-            <a:off x="1075291" y="3094213"/>
-            <a:ext cx="581942" cy="8017"/>
+          <a:xfrm>
+            <a:off x="1075291" y="3102230"/>
+            <a:ext cx="581942" cy="2242"/>
           </a:xfrm>
           <a:prstGeom prst="straightConnector1">
             <a:avLst/>
@@ -4884,6 +4896,13 @@
             <a:p>
               <a:pPr algn="ctr"/>
               <a:r>
+                <a:rPr lang="en-GB" sz="2000" dirty="0">
+                  <a:latin typeface="+mj-lt"/>
+                  <a:cs typeface="Arial" panose="020B0604020202020204" pitchFamily="34" charset="0"/>
+                </a:rPr>
+                <a:t>QR </a:t>
+              </a:r>
+              <a:r>
                 <a:rPr lang="en-GB" sz="3200" baseline="-9000" dirty="0">
                   <a:solidFill>
                     <a:schemeClr val="bg2">
@@ -4897,23 +4916,8 @@
                     </a:glow>
                   </a:effectLst>
                 </a:rPr>
-                <a:t>✨</a:t>
+                <a:t>✨ </a:t>
               </a:r>
-              <a:r>
-                <a:rPr lang="en-GB" dirty="0"/>
-                <a:t> </a:t>
-              </a:r>
-              <a:r>
-                <a:rPr lang="en-GB" sz="2000" dirty="0">
-                  <a:latin typeface="+mj-lt"/>
-                  <a:cs typeface="Arial" panose="020B0604020202020204" pitchFamily="34" charset="0"/>
-                </a:rPr>
-                <a:t>Login QR</a:t>
-              </a:r>
-              <a:endParaRPr lang="en-GB" sz="2400" dirty="0">
-                <a:latin typeface="+mj-lt"/>
-                <a:cs typeface="Arial" panose="020B0604020202020204" pitchFamily="34" charset="0"/>
-              </a:endParaRPr>
             </a:p>
           </p:txBody>
         </p:sp>
@@ -5743,6 +5747,13 @@
             <a:p>
               <a:pPr algn="ctr"/>
               <a:r>
+                <a:rPr lang="en-GB" sz="2000" dirty="0">
+                  <a:latin typeface="+mj-lt"/>
+                  <a:cs typeface="Arial" panose="020B0604020202020204" pitchFamily="34" charset="0"/>
+                </a:rPr>
+                <a:t>Editor </a:t>
+              </a:r>
+              <a:r>
                 <a:rPr lang="en-GB" sz="3200" baseline="-9000" dirty="0">
                   <a:solidFill>
                     <a:schemeClr val="bg2">
@@ -5758,21 +5769,6 @@
                 </a:rPr>
                 <a:t>📝</a:t>
               </a:r>
-              <a:r>
-                <a:rPr lang="en-GB" dirty="0"/>
-                <a:t> </a:t>
-              </a:r>
-              <a:r>
-                <a:rPr lang="en-GB" sz="2000" dirty="0">
-                  <a:latin typeface="+mj-lt"/>
-                  <a:cs typeface="Arial" panose="020B0604020202020204" pitchFamily="34" charset="0"/>
-                </a:rPr>
-                <a:t>Editor</a:t>
-              </a:r>
-              <a:endParaRPr lang="en-GB" sz="2400" dirty="0">
-                <a:latin typeface="+mj-lt"/>
-                <a:cs typeface="Arial" panose="020B0604020202020204" pitchFamily="34" charset="0"/>
-              </a:endParaRPr>
             </a:p>
           </p:txBody>
         </p:sp>
@@ -8292,7 +8288,7 @@
         </p:nvSpPr>
         <p:spPr>
           <a:xfrm>
-            <a:off x="7201107" y="3119364"/>
+            <a:off x="5791396" y="2850138"/>
             <a:ext cx="426399" cy="369332"/>
           </a:xfrm>
           <a:prstGeom prst="rect">
@@ -8328,10 +8324,10 @@
         </p:nvGrpSpPr>
         <p:grpSpPr>
           <a:xfrm>
-            <a:off x="3941208" y="1832187"/>
-            <a:ext cx="2211227" cy="3170119"/>
-            <a:chOff x="5404795" y="339828"/>
-            <a:chExt cx="2010206" cy="3491917"/>
+            <a:off x="2134892" y="1658867"/>
+            <a:ext cx="1987861" cy="1125407"/>
+            <a:chOff x="5404795" y="445469"/>
+            <a:chExt cx="1807146" cy="1239647"/>
           </a:xfrm>
         </p:grpSpPr>
         <p:sp>
@@ -8348,8 +8344,8 @@
           </p:nvSpPr>
           <p:spPr>
             <a:xfrm>
-              <a:off x="5404795" y="339828"/>
-              <a:ext cx="1988691" cy="3491917"/>
+              <a:off x="5404795" y="445469"/>
+              <a:ext cx="1807146" cy="1239647"/>
             </a:xfrm>
             <a:prstGeom prst="rect">
               <a:avLst/>
@@ -8396,7 +8392,7 @@
                 </a:spcAft>
                 <a:defRPr/>
               </a:pPr>
-              <a:endParaRPr lang="en-US" sz="2000" i="1" dirty="0">
+              <a:endParaRPr lang="en-US" i="1" dirty="0">
                 <a:solidFill>
                   <a:schemeClr val="bg2">
                     <a:lumMod val="40000"/>
@@ -8428,8 +8424,8 @@
           </p:nvSpPr>
           <p:spPr>
             <a:xfrm>
-              <a:off x="5426310" y="393635"/>
-              <a:ext cx="1988691" cy="508529"/>
+              <a:off x="5426310" y="514987"/>
+              <a:ext cx="1785631" cy="440725"/>
             </a:xfrm>
             <a:prstGeom prst="rect">
               <a:avLst/>
@@ -8632,7 +8628,7 @@
                 <a:buNone/>
               </a:pPr>
               <a:r>
-                <a:rPr lang="en-US" sz="2400" i="1" dirty="0">
+                <a:rPr lang="en-US" sz="2000" i="1" dirty="0">
                   <a:solidFill>
                     <a:schemeClr val="bg1">
                       <a:lumMod val="50000"/>
@@ -8678,8 +8674,8 @@
         </p:nvSpPr>
         <p:spPr>
           <a:xfrm>
-            <a:off x="7122163" y="397938"/>
-            <a:ext cx="4815840" cy="1517566"/>
+            <a:off x="8018137" y="2742848"/>
+            <a:ext cx="3839620" cy="1517566"/>
           </a:xfrm>
           <a:prstGeom prst="rect">
             <a:avLst/>
@@ -8747,7 +8743,7 @@
         </p:nvSpPr>
         <p:spPr>
           <a:xfrm>
-            <a:off x="9151578" y="821081"/>
+            <a:off x="10047552" y="3165991"/>
             <a:ext cx="744265" cy="1014729"/>
           </a:xfrm>
           <a:prstGeom prst="rect">
@@ -8838,7 +8834,7 @@
         </p:nvSpPr>
         <p:spPr>
           <a:xfrm>
-            <a:off x="7221178" y="821081"/>
+            <a:off x="8117152" y="3165991"/>
             <a:ext cx="1719625" cy="1014729"/>
           </a:xfrm>
           <a:prstGeom prst="rect">
@@ -8948,7 +8944,7 @@
         </p:nvSpPr>
         <p:spPr>
           <a:xfrm>
-            <a:off x="10112924" y="821081"/>
+            <a:off x="11008898" y="3165991"/>
             <a:ext cx="744265" cy="1014729"/>
           </a:xfrm>
           <a:prstGeom prst="rect">
@@ -9025,97 +9021,6 @@
           </a:p>
         </p:txBody>
       </p:sp>
-      <p:sp>
-        <p:nvSpPr>
-          <p:cNvPr id="73" name="Rectangle 72">
-            <a:extLst>
-              <a:ext uri="{FF2B5EF4-FFF2-40B4-BE49-F238E27FC236}">
-                <a16:creationId xmlns:a16="http://schemas.microsoft.com/office/drawing/2014/main" id="{897F6B5C-6CF8-6C58-EAC7-09DCD8B29BA4}"/>
-              </a:ext>
-            </a:extLst>
-          </p:cNvPr>
-          <p:cNvSpPr/>
-          <p:nvPr/>
-        </p:nvSpPr>
-        <p:spPr>
-          <a:xfrm>
-            <a:off x="11074270" y="817458"/>
-            <a:ext cx="744265" cy="1014729"/>
-          </a:xfrm>
-          <a:prstGeom prst="rect">
-            <a:avLst/>
-          </a:prstGeom>
-          <a:solidFill>
-            <a:schemeClr val="bg1"/>
-          </a:solidFill>
-          <a:ln w="12700">
-            <a:solidFill>
-              <a:srgbClr val="5A6B86"/>
-            </a:solidFill>
-            <a:prstDash val="dash"/>
-          </a:ln>
-        </p:spPr>
-        <p:style>
-          <a:lnRef idx="2">
-            <a:schemeClr val="accent1">
-              <a:shade val="50000"/>
-            </a:schemeClr>
-          </a:lnRef>
-          <a:fillRef idx="1">
-            <a:schemeClr val="accent1"/>
-          </a:fillRef>
-          <a:effectRef idx="0">
-            <a:schemeClr val="accent1"/>
-          </a:effectRef>
-          <a:fontRef idx="minor">
-            <a:schemeClr val="lt1"/>
-          </a:fontRef>
-        </p:style>
-        <p:txBody>
-          <a:bodyPr tIns="36000"/>
-          <a:lstStyle/>
-          <a:p>
-            <a:pPr eaLnBrk="1" fontAlgn="auto" hangingPunct="1">
-              <a:spcBef>
-                <a:spcPts val="0"/>
-              </a:spcBef>
-              <a:spcAft>
-                <a:spcPts val="0"/>
-              </a:spcAft>
-              <a:defRPr/>
-            </a:pPr>
-            <a:r>
-              <a:rPr lang="en-GB" sz="2000" dirty="0">
-                <a:solidFill>
-                  <a:schemeClr val="bg2">
-                    <a:lumMod val="40000"/>
-                    <a:lumOff val="60000"/>
-                  </a:schemeClr>
-                </a:solidFill>
-                <a:effectLst>
-                  <a:glow>
-                    <a:schemeClr val="bg1"/>
-                  </a:glow>
-                </a:effectLst>
-              </a:rPr>
-              <a:t>👥</a:t>
-            </a:r>
-            <a:endParaRPr lang="en-US" sz="2000" i="1" dirty="0">
-              <a:solidFill>
-                <a:schemeClr val="bg2">
-                  <a:lumMod val="40000"/>
-                  <a:lumOff val="60000"/>
-                </a:schemeClr>
-              </a:solidFill>
-              <a:effectLst>
-                <a:glow>
-                  <a:schemeClr val="bg1"/>
-                </a:glow>
-              </a:effectLst>
-            </a:endParaRPr>
-          </a:p>
-        </p:txBody>
-      </p:sp>
       <p:grpSp>
         <p:nvGrpSpPr>
           <p:cNvPr id="6" name="Group 5">
@@ -9130,7 +9035,7 @@
         </p:nvGrpSpPr>
         <p:grpSpPr>
           <a:xfrm>
-            <a:off x="305663" y="2657077"/>
+            <a:off x="2134892" y="3051482"/>
             <a:ext cx="1988691" cy="1316816"/>
             <a:chOff x="7388710" y="3835400"/>
             <a:chExt cx="1988691" cy="1316816"/>
@@ -9590,7 +9495,7 @@
         </p:nvSpPr>
         <p:spPr>
           <a:xfrm>
-            <a:off x="374619" y="2609969"/>
+            <a:off x="2203848" y="3004374"/>
             <a:ext cx="502683" cy="769441"/>
           </a:xfrm>
           <a:prstGeom prst="rect">
@@ -9638,7 +9543,7 @@
         </p:nvSpPr>
         <p:spPr>
           <a:xfrm>
-            <a:off x="9248592" y="1204475"/>
+            <a:off x="10144566" y="3549385"/>
             <a:ext cx="555811" cy="562183"/>
           </a:xfrm>
           <a:prstGeom prst="rect">
@@ -9731,7 +9636,7 @@
         </p:nvSpPr>
         <p:spPr>
           <a:xfrm>
-            <a:off x="7318192" y="1204475"/>
+            <a:off x="8214166" y="3549385"/>
             <a:ext cx="1545184" cy="562183"/>
           </a:xfrm>
           <a:prstGeom prst="rect">
@@ -9824,7 +9729,7 @@
         </p:nvSpPr>
         <p:spPr>
           <a:xfrm>
-            <a:off x="10209938" y="1204475"/>
+            <a:off x="11105912" y="3549385"/>
             <a:ext cx="555811" cy="562183"/>
           </a:xfrm>
           <a:prstGeom prst="rect">
@@ -9917,7 +9822,7 @@
         </p:nvSpPr>
         <p:spPr>
           <a:xfrm>
-            <a:off x="7318191" y="3490156"/>
+            <a:off x="5908480" y="3573473"/>
             <a:ext cx="1545185" cy="562183"/>
           </a:xfrm>
           <a:prstGeom prst="rect">
@@ -10010,7 +9915,7 @@
         </p:nvSpPr>
         <p:spPr>
           <a:xfrm>
-            <a:off x="7221178" y="3106762"/>
+            <a:off x="5811467" y="3190079"/>
             <a:ext cx="1719625" cy="1014729"/>
           </a:xfrm>
           <a:prstGeom prst="rect">
@@ -10097,146 +10002,6 @@
       </p:sp>
       <p:cxnSp>
         <p:nvCxnSpPr>
-          <p:cNvPr id="38" name="Straight Arrow Connector 12">
-            <a:extLst>
-              <a:ext uri="{FF2B5EF4-FFF2-40B4-BE49-F238E27FC236}">
-                <a16:creationId xmlns:a16="http://schemas.microsoft.com/office/drawing/2014/main" id="{FA7E3035-DDB1-07EB-FA7F-0C0689475847}"/>
-              </a:ext>
-            </a:extLst>
-          </p:cNvPr>
-          <p:cNvCxnSpPr>
-            <a:cxnSpLocks/>
-            <a:stCxn id="25" idx="0"/>
-            <a:endCxn id="32" idx="1"/>
-          </p:cNvCxnSpPr>
-          <p:nvPr/>
-        </p:nvCxnSpPr>
-        <p:spPr>
-          <a:xfrm rot="5400000" flipH="1" flipV="1">
-            <a:off x="3596278" y="-967822"/>
-            <a:ext cx="1328631" cy="5921169"/>
-          </a:xfrm>
-          <a:prstGeom prst="bentConnector2">
-            <a:avLst/>
-          </a:prstGeom>
-          <a:ln>
-            <a:solidFill>
-              <a:schemeClr val="accent4"/>
-            </a:solidFill>
-            <a:prstDash val="dash"/>
-            <a:tailEnd type="triangle" w="lg" len="lg"/>
-          </a:ln>
-        </p:spPr>
-        <p:style>
-          <a:lnRef idx="3">
-            <a:schemeClr val="accent2"/>
-          </a:lnRef>
-          <a:fillRef idx="0">
-            <a:schemeClr val="accent2"/>
-          </a:fillRef>
-          <a:effectRef idx="2">
-            <a:schemeClr val="accent2"/>
-          </a:effectRef>
-          <a:fontRef idx="minor">
-            <a:schemeClr val="tx1"/>
-          </a:fontRef>
-        </p:style>
-      </p:cxnSp>
-      <p:cxnSp>
-        <p:nvCxnSpPr>
-          <p:cNvPr id="42" name="Straight Arrow Connector 12">
-            <a:extLst>
-              <a:ext uri="{FF2B5EF4-FFF2-40B4-BE49-F238E27FC236}">
-                <a16:creationId xmlns:a16="http://schemas.microsoft.com/office/drawing/2014/main" id="{59A4B4D2-0E54-F94D-D819-080F8D620DFB}"/>
-              </a:ext>
-            </a:extLst>
-          </p:cNvPr>
-          <p:cNvCxnSpPr>
-            <a:cxnSpLocks/>
-            <a:stCxn id="25" idx="3"/>
-            <a:endCxn id="39" idx="1"/>
-          </p:cNvCxnSpPr>
-          <p:nvPr/>
-        </p:nvCxnSpPr>
-        <p:spPr>
-          <a:xfrm flipV="1">
-            <a:off x="2294354" y="3299941"/>
-            <a:ext cx="1751076" cy="15544"/>
-          </a:xfrm>
-          <a:prstGeom prst="straightConnector1">
-            <a:avLst/>
-          </a:prstGeom>
-          <a:ln>
-            <a:solidFill>
-              <a:schemeClr val="accent4"/>
-            </a:solidFill>
-            <a:prstDash val="dash"/>
-            <a:tailEnd type="triangle" w="lg" len="lg"/>
-          </a:ln>
-        </p:spPr>
-        <p:style>
-          <a:lnRef idx="3">
-            <a:schemeClr val="accent2"/>
-          </a:lnRef>
-          <a:fillRef idx="0">
-            <a:schemeClr val="accent2"/>
-          </a:fillRef>
-          <a:effectRef idx="2">
-            <a:schemeClr val="accent2"/>
-          </a:effectRef>
-          <a:fontRef idx="minor">
-            <a:schemeClr val="tx1"/>
-          </a:fontRef>
-        </p:style>
-      </p:cxnSp>
-      <p:cxnSp>
-        <p:nvCxnSpPr>
-          <p:cNvPr id="46" name="Straight Arrow Connector 12">
-            <a:extLst>
-              <a:ext uri="{FF2B5EF4-FFF2-40B4-BE49-F238E27FC236}">
-                <a16:creationId xmlns:a16="http://schemas.microsoft.com/office/drawing/2014/main" id="{19F2D462-0C8C-5EFE-7E7B-42138DBB1FF2}"/>
-              </a:ext>
-            </a:extLst>
-          </p:cNvPr>
-          <p:cNvCxnSpPr>
-            <a:cxnSpLocks/>
-            <a:stCxn id="37" idx="3"/>
-            <a:endCxn id="73" idx="2"/>
-          </p:cNvCxnSpPr>
-          <p:nvPr/>
-        </p:nvCxnSpPr>
-        <p:spPr>
-          <a:xfrm flipV="1">
-            <a:off x="8940803" y="1832187"/>
-            <a:ext cx="2505600" cy="1781940"/>
-          </a:xfrm>
-          <a:prstGeom prst="bentConnector2">
-            <a:avLst/>
-          </a:prstGeom>
-          <a:ln>
-            <a:solidFill>
-              <a:schemeClr val="accent2"/>
-            </a:solidFill>
-            <a:tailEnd type="triangle" w="lg" len="lg"/>
-          </a:ln>
-        </p:spPr>
-        <p:style>
-          <a:lnRef idx="3">
-            <a:schemeClr val="accent2"/>
-          </a:lnRef>
-          <a:fillRef idx="0">
-            <a:schemeClr val="accent2"/>
-          </a:fillRef>
-          <a:effectRef idx="2">
-            <a:schemeClr val="accent2"/>
-          </a:effectRef>
-          <a:fontRef idx="minor">
-            <a:schemeClr val="tx1"/>
-          </a:fontRef>
-        </p:style>
-      </p:cxnSp>
-      <p:cxnSp>
-        <p:nvCxnSpPr>
           <p:cNvPr id="49" name="Straight Arrow Connector 12">
             <a:extLst>
               <a:ext uri="{FF2B5EF4-FFF2-40B4-BE49-F238E27FC236}">
@@ -10247,14 +10012,14 @@
           <p:cNvCxnSpPr>
             <a:cxnSpLocks/>
             <a:stCxn id="51" idx="3"/>
-            <a:endCxn id="58" idx="0"/>
+            <a:endCxn id="37" idx="0"/>
           </p:cNvCxnSpPr>
           <p:nvPr/>
         </p:nvCxnSpPr>
         <p:spPr>
           <a:xfrm>
-            <a:off x="6019467" y="2680234"/>
-            <a:ext cx="1394840" cy="439130"/>
+            <a:off x="3944046" y="2411008"/>
+            <a:ext cx="2727234" cy="779071"/>
           </a:xfrm>
           <a:prstGeom prst="bentConnector2">
             <a:avLst/>
@@ -10296,18 +10061,20 @@
           </p:cNvPr>
           <p:cNvCxnSpPr>
             <a:cxnSpLocks/>
-            <a:stCxn id="32" idx="2"/>
-            <a:endCxn id="37" idx="0"/>
+            <a:stCxn id="37" idx="2"/>
+            <a:endCxn id="30" idx="2"/>
           </p:cNvCxnSpPr>
           <p:nvPr/>
         </p:nvCxnSpPr>
         <p:spPr>
-          <a:xfrm>
-            <a:off x="8080991" y="1835810"/>
-            <a:ext cx="0" cy="1270952"/>
+          <a:xfrm rot="5400000" flipH="1" flipV="1">
+            <a:off x="7782399" y="3000449"/>
+            <a:ext cx="93240" cy="2315478"/>
           </a:xfrm>
-          <a:prstGeom prst="straightConnector1">
-            <a:avLst/>
+          <a:prstGeom prst="bentConnector3">
+            <a:avLst>
+              <a:gd name="adj1" fmla="val -245174"/>
+            </a:avLst>
           </a:prstGeom>
           <a:ln w="19050" cap="flat" cmpd="sng" algn="ctr">
             <a:solidFill>
@@ -10334,12 +10101,350 @@
           </a:fontRef>
         </p:style>
       </p:cxnSp>
+      <p:sp>
+        <p:nvSpPr>
+          <p:cNvPr id="63" name="Content Placeholder 2">
+            <a:extLst>
+              <a:ext uri="{FF2B5EF4-FFF2-40B4-BE49-F238E27FC236}">
+                <a16:creationId xmlns:a16="http://schemas.microsoft.com/office/drawing/2014/main" id="{C45B2A13-7D1C-7E5A-330E-B054CDE68FA8}"/>
+              </a:ext>
+            </a:extLst>
+          </p:cNvPr>
+          <p:cNvSpPr txBox="1">
+            <a:spLocks/>
+          </p:cNvSpPr>
+          <p:nvPr/>
+        </p:nvSpPr>
+        <p:spPr>
+          <a:xfrm>
+            <a:off x="7031279" y="4542848"/>
+            <a:ext cx="1867528" cy="400110"/>
+          </a:xfrm>
+          <a:prstGeom prst="rect">
+            <a:avLst/>
+          </a:prstGeom>
+        </p:spPr>
+        <p:txBody>
+          <a:bodyPr wrap="square">
+            <a:spAutoFit/>
+          </a:bodyPr>
+          <a:lstStyle>
+            <a:lvl1pPr marL="228600" indent="-228600" algn="l" defTabSz="914400" rtl="0" eaLnBrk="1" latinLnBrk="0" hangingPunct="1">
+              <a:lnSpc>
+                <a:spcPct val="90000"/>
+              </a:lnSpc>
+              <a:spcBef>
+                <a:spcPts val="0"/>
+              </a:spcBef>
+              <a:spcAft>
+                <a:spcPts val="1200"/>
+              </a:spcAft>
+              <a:buSzPct val="90000"/>
+              <a:buFont typeface="Amazon Ember" panose="020B0603020204020204" pitchFamily="34" charset="0"/>
+              <a:buChar char="•"/>
+              <a:defRPr sz="2800" kern="1200">
+                <a:solidFill>
+                  <a:schemeClr val="tx1"/>
+                </a:solidFill>
+                <a:latin typeface="+mn-lt"/>
+                <a:ea typeface="+mn-ea"/>
+                <a:cs typeface="+mn-cs"/>
+              </a:defRPr>
+            </a:lvl1pPr>
+            <a:lvl2pPr marL="457200" indent="-228600" algn="l" defTabSz="914400" rtl="0" eaLnBrk="1" latinLnBrk="0" hangingPunct="1">
+              <a:lnSpc>
+                <a:spcPct val="90000"/>
+              </a:lnSpc>
+              <a:spcBef>
+                <a:spcPts val="0"/>
+              </a:spcBef>
+              <a:spcAft>
+                <a:spcPts val="1200"/>
+              </a:spcAft>
+              <a:buSzPct val="90000"/>
+              <a:buFont typeface="Wingdings" panose="05000000000000000000" pitchFamily="2" charset="2"/>
+              <a:buChar char="§"/>
+              <a:defRPr sz="2400" kern="1200">
+                <a:solidFill>
+                  <a:schemeClr val="tx1"/>
+                </a:solidFill>
+                <a:latin typeface="+mn-lt"/>
+                <a:ea typeface="+mn-ea"/>
+                <a:cs typeface="+mn-cs"/>
+              </a:defRPr>
+            </a:lvl2pPr>
+            <a:lvl3pPr marL="685800" indent="-228600" algn="l" defTabSz="914400" rtl="0" eaLnBrk="1" latinLnBrk="0" hangingPunct="1">
+              <a:lnSpc>
+                <a:spcPct val="90000"/>
+              </a:lnSpc>
+              <a:spcBef>
+                <a:spcPts val="0"/>
+              </a:spcBef>
+              <a:spcAft>
+                <a:spcPts val="1200"/>
+              </a:spcAft>
+              <a:buSzPct val="90000"/>
+              <a:buFont typeface="Amazon Ember" panose="020B0603020204020204" pitchFamily="34" charset="0"/>
+              <a:buChar char="–"/>
+              <a:defRPr sz="2000" kern="1200">
+                <a:solidFill>
+                  <a:schemeClr val="tx1"/>
+                </a:solidFill>
+                <a:latin typeface="+mn-lt"/>
+                <a:ea typeface="+mn-ea"/>
+                <a:cs typeface="+mn-cs"/>
+              </a:defRPr>
+            </a:lvl3pPr>
+            <a:lvl4pPr marL="914400" indent="-228600" algn="l" defTabSz="914400" rtl="0" eaLnBrk="1" latinLnBrk="0" hangingPunct="1">
+              <a:lnSpc>
+                <a:spcPct val="90000"/>
+              </a:lnSpc>
+              <a:spcBef>
+                <a:spcPts val="0"/>
+              </a:spcBef>
+              <a:spcAft>
+                <a:spcPts val="1200"/>
+              </a:spcAft>
+              <a:buFont typeface="Amazon Ember" panose="020B0603020204020204" pitchFamily="34" charset="0"/>
+              <a:buChar char="•"/>
+              <a:defRPr sz="1800" kern="1200">
+                <a:solidFill>
+                  <a:schemeClr val="tx1"/>
+                </a:solidFill>
+                <a:latin typeface="+mn-lt"/>
+                <a:ea typeface="+mn-ea"/>
+                <a:cs typeface="+mn-cs"/>
+              </a:defRPr>
+            </a:lvl4pPr>
+            <a:lvl5pPr marL="1143000" indent="-228600" algn="l" defTabSz="914400" rtl="0" eaLnBrk="1" latinLnBrk="0" hangingPunct="1">
+              <a:lnSpc>
+                <a:spcPct val="90000"/>
+              </a:lnSpc>
+              <a:spcBef>
+                <a:spcPts val="0"/>
+              </a:spcBef>
+              <a:spcAft>
+                <a:spcPts val="1200"/>
+              </a:spcAft>
+              <a:buFont typeface="Amazon Ember" panose="020B0603020204020204" pitchFamily="34" charset="0"/>
+              <a:buChar char="•"/>
+              <a:defRPr sz="1800" kern="1200">
+                <a:solidFill>
+                  <a:schemeClr val="tx1"/>
+                </a:solidFill>
+                <a:latin typeface="+mn-lt"/>
+                <a:ea typeface="+mn-ea"/>
+                <a:cs typeface="+mn-cs"/>
+              </a:defRPr>
+            </a:lvl5pPr>
+            <a:lvl6pPr marL="2514600" indent="-228600" algn="l" defTabSz="914400" rtl="0" eaLnBrk="1" latinLnBrk="0" hangingPunct="1">
+              <a:lnSpc>
+                <a:spcPct val="90000"/>
+              </a:lnSpc>
+              <a:spcBef>
+                <a:spcPts val="500"/>
+              </a:spcBef>
+              <a:buFont typeface="Amazon Ember" panose="020B0603020204020204" pitchFamily="34" charset="0"/>
+              <a:buChar char="•"/>
+              <a:defRPr sz="1800" kern="1200">
+                <a:solidFill>
+                  <a:schemeClr val="tx1"/>
+                </a:solidFill>
+                <a:latin typeface="+mn-lt"/>
+                <a:ea typeface="+mn-ea"/>
+                <a:cs typeface="+mn-cs"/>
+              </a:defRPr>
+            </a:lvl6pPr>
+            <a:lvl7pPr marL="2971800" indent="-228600" algn="l" defTabSz="914400" rtl="0" eaLnBrk="1" latinLnBrk="0" hangingPunct="1">
+              <a:lnSpc>
+                <a:spcPct val="90000"/>
+              </a:lnSpc>
+              <a:spcBef>
+                <a:spcPts val="500"/>
+              </a:spcBef>
+              <a:buFont typeface="Amazon Ember" panose="020B0603020204020204" pitchFamily="34" charset="0"/>
+              <a:buChar char="•"/>
+              <a:defRPr sz="1800" kern="1200">
+                <a:solidFill>
+                  <a:schemeClr val="tx1"/>
+                </a:solidFill>
+                <a:latin typeface="+mn-lt"/>
+                <a:ea typeface="+mn-ea"/>
+                <a:cs typeface="+mn-cs"/>
+              </a:defRPr>
+            </a:lvl7pPr>
+            <a:lvl8pPr marL="3429000" indent="-228600" algn="l" defTabSz="914400" rtl="0" eaLnBrk="1" latinLnBrk="0" hangingPunct="1">
+              <a:lnSpc>
+                <a:spcPct val="90000"/>
+              </a:lnSpc>
+              <a:spcBef>
+                <a:spcPts val="500"/>
+              </a:spcBef>
+              <a:buFont typeface="Amazon Ember" panose="020B0603020204020204" pitchFamily="34" charset="0"/>
+              <a:buChar char="•"/>
+              <a:defRPr sz="1800" kern="1200">
+                <a:solidFill>
+                  <a:schemeClr val="tx1"/>
+                </a:solidFill>
+                <a:latin typeface="+mn-lt"/>
+                <a:ea typeface="+mn-ea"/>
+                <a:cs typeface="+mn-cs"/>
+              </a:defRPr>
+            </a:lvl8pPr>
+            <a:lvl9pPr marL="3886200" indent="-228600" algn="l" defTabSz="914400" rtl="0" eaLnBrk="1" latinLnBrk="0" hangingPunct="1">
+              <a:lnSpc>
+                <a:spcPct val="90000"/>
+              </a:lnSpc>
+              <a:spcBef>
+                <a:spcPts val="500"/>
+              </a:spcBef>
+              <a:buFont typeface="Amazon Ember" panose="020B0603020204020204" pitchFamily="34" charset="0"/>
+              <a:buChar char="•"/>
+              <a:defRPr sz="1800" kern="1200">
+                <a:solidFill>
+                  <a:schemeClr val="tx1"/>
+                </a:solidFill>
+                <a:latin typeface="+mn-lt"/>
+                <a:ea typeface="+mn-ea"/>
+                <a:cs typeface="+mn-cs"/>
+              </a:defRPr>
+            </a:lvl9pPr>
+          </a:lstStyle>
+          <a:p>
+            <a:pPr marL="0" indent="0">
+              <a:lnSpc>
+                <a:spcPct val="100000"/>
+              </a:lnSpc>
+              <a:spcAft>
+                <a:spcPts val="600"/>
+              </a:spcAft>
+              <a:buNone/>
+            </a:pPr>
+            <a:r>
+              <a:rPr lang="en-US" sz="2000" i="1" dirty="0">
+                <a:solidFill>
+                  <a:schemeClr val="bg2">
+                    <a:lumMod val="40000"/>
+                    <a:lumOff val="60000"/>
+                  </a:schemeClr>
+                </a:solidFill>
+                <a:effectLst>
+                  <a:glow>
+                    <a:schemeClr val="bg1"/>
+                  </a:glow>
+                </a:effectLst>
+              </a:rPr>
+              <a:t>handshake </a:t>
+            </a:r>
+          </a:p>
+        </p:txBody>
+      </p:sp>
+      <p:sp>
+        <p:nvSpPr>
+          <p:cNvPr id="64" name="Rounded Rectangle 63">
+            <a:extLst>
+              <a:ext uri="{FF2B5EF4-FFF2-40B4-BE49-F238E27FC236}">
+                <a16:creationId xmlns:a16="http://schemas.microsoft.com/office/drawing/2014/main" id="{86026D16-9C3E-8A05-A34C-0BA542D32EAC}"/>
+              </a:ext>
+            </a:extLst>
+          </p:cNvPr>
+          <p:cNvSpPr/>
+          <p:nvPr/>
+        </p:nvSpPr>
+        <p:spPr>
+          <a:xfrm>
+            <a:off x="6671279" y="4562903"/>
+            <a:ext cx="360000" cy="360000"/>
+          </a:xfrm>
+          <a:prstGeom prst="roundRect">
+            <a:avLst/>
+          </a:prstGeom>
+          <a:solidFill>
+            <a:schemeClr val="accent4"/>
+          </a:solidFill>
+          <a:ln>
+            <a:noFill/>
+          </a:ln>
+        </p:spPr>
+        <p:style>
+          <a:lnRef idx="0">
+            <a:scrgbClr r="0" g="0" b="0"/>
+          </a:lnRef>
+          <a:fillRef idx="0">
+            <a:scrgbClr r="0" g="0" b="0"/>
+          </a:fillRef>
+          <a:effectRef idx="0">
+            <a:scrgbClr r="0" g="0" b="0"/>
+          </a:effectRef>
+          <a:fontRef idx="minor">
+            <a:schemeClr val="lt1"/>
+          </a:fontRef>
+        </p:style>
+        <p:txBody>
+          <a:bodyPr lIns="45720" tIns="45720" rIns="45720" rtlCol="0" anchor="ctr"/>
+          <a:lstStyle/>
+          <a:p>
+            <a:pPr algn="ctr"/>
+            <a:r>
+              <a:rPr lang="en-GB" b="1" dirty="0">
+                <a:solidFill>
+                  <a:schemeClr val="tx1"/>
+                </a:solidFill>
+              </a:rPr>
+              <a:t>6</a:t>
+            </a:r>
+          </a:p>
+        </p:txBody>
+      </p:sp>
+      <p:sp>
+        <p:nvSpPr>
+          <p:cNvPr id="76" name="TextBox 75">
+            <a:extLst>
+              <a:ext uri="{FF2B5EF4-FFF2-40B4-BE49-F238E27FC236}">
+                <a16:creationId xmlns:a16="http://schemas.microsoft.com/office/drawing/2014/main" id="{BB96B484-DED7-5F33-4C9A-20FD2D1F67F3}"/>
+              </a:ext>
+            </a:extLst>
+          </p:cNvPr>
+          <p:cNvSpPr txBox="1"/>
+          <p:nvPr/>
+        </p:nvSpPr>
+        <p:spPr>
+          <a:xfrm>
+            <a:off x="8012330" y="2754365"/>
+            <a:ext cx="4696372" cy="400110"/>
+          </a:xfrm>
+          <a:prstGeom prst="rect">
+            <a:avLst/>
+          </a:prstGeom>
+          <a:noFill/>
+        </p:spPr>
+        <p:txBody>
+          <a:bodyPr wrap="square">
+            <a:spAutoFit/>
+          </a:bodyPr>
+          <a:lstStyle/>
+          <a:p>
+            <a:r>
+              <a:rPr lang="en-GB" sz="2000" i="1" dirty="0">
+                <a:solidFill>
+                  <a:schemeClr val="tx1">
+                    <a:lumMod val="75000"/>
+                  </a:schemeClr>
+                </a:solidFill>
+                <a:latin typeface="+mj-lt"/>
+                <a:cs typeface="Arial" panose="020B0604020202020204" pitchFamily="34" charset="0"/>
+              </a:rPr>
+              <a:t>user bound vaults</a:t>
+            </a:r>
+          </a:p>
+        </p:txBody>
+      </p:sp>
       <p:grpSp>
         <p:nvGrpSpPr>
-          <p:cNvPr id="47" name="Group 46">
+          <p:cNvPr id="48" name="Group 47">
             <a:extLst>
               <a:ext uri="{FF2B5EF4-FFF2-40B4-BE49-F238E27FC236}">
-                <a16:creationId xmlns:a16="http://schemas.microsoft.com/office/drawing/2014/main" id="{89D0CBAB-9EEC-BD55-6B53-282364CCB84E}"/>
+                <a16:creationId xmlns:a16="http://schemas.microsoft.com/office/drawing/2014/main" id="{09AC1F04-8A90-B678-1AC3-4971F06205DB}"/>
               </a:ext>
             </a:extLst>
           </p:cNvPr>
@@ -10348,18 +10453,215 @@
         </p:nvGrpSpPr>
         <p:grpSpPr>
           <a:xfrm>
-            <a:off x="1290682" y="817458"/>
-            <a:ext cx="5438295" cy="400110"/>
-            <a:chOff x="2796757" y="817458"/>
-            <a:chExt cx="5438295" cy="400110"/>
+            <a:off x="2239116" y="2176807"/>
+            <a:ext cx="1783799" cy="482053"/>
+            <a:chOff x="5455205" y="1866093"/>
+            <a:chExt cx="1621635" cy="482053"/>
           </a:xfrm>
         </p:grpSpPr>
         <p:sp>
           <p:nvSpPr>
-            <p:cNvPr id="59" name="Content Placeholder 2">
+            <p:cNvPr id="50" name="Rectangle 49">
               <a:extLst>
                 <a:ext uri="{FF2B5EF4-FFF2-40B4-BE49-F238E27FC236}">
-                  <a16:creationId xmlns:a16="http://schemas.microsoft.com/office/drawing/2014/main" id="{A73358C7-9C1B-7557-A69C-7D1F5C6BCD06}"/>
+                  <a16:creationId xmlns:a16="http://schemas.microsoft.com/office/drawing/2014/main" id="{0ECF0E59-2178-9688-F965-E46CA9D32B37}"/>
+                </a:ext>
+              </a:extLst>
+            </p:cNvPr>
+            <p:cNvSpPr/>
+            <p:nvPr/>
+          </p:nvSpPr>
+          <p:spPr>
+            <a:xfrm>
+              <a:off x="5455205" y="1866093"/>
+              <a:ext cx="1621635" cy="482053"/>
+            </a:xfrm>
+            <a:prstGeom prst="rect">
+              <a:avLst/>
+            </a:prstGeom>
+            <a:solidFill>
+              <a:schemeClr val="bg1"/>
+            </a:solidFill>
+            <a:ln w="28575">
+              <a:solidFill>
+                <a:schemeClr val="tx1">
+                  <a:lumMod val="50000"/>
+                </a:schemeClr>
+              </a:solidFill>
+              <a:prstDash val="solid"/>
+            </a:ln>
+          </p:spPr>
+          <p:style>
+            <a:lnRef idx="2">
+              <a:schemeClr val="accent1">
+                <a:shade val="50000"/>
+              </a:schemeClr>
+            </a:lnRef>
+            <a:fillRef idx="1">
+              <a:schemeClr val="accent1"/>
+            </a:fillRef>
+            <a:effectRef idx="0">
+              <a:schemeClr val="accent1"/>
+            </a:effectRef>
+            <a:fontRef idx="minor">
+              <a:schemeClr val="lt1"/>
+            </a:fontRef>
+          </p:style>
+          <p:txBody>
+            <a:bodyPr lIns="144000" tIns="144000" rIns="144000" bIns="144000" anchor="ctr"/>
+            <a:lstStyle/>
+            <a:p>
+              <a:pPr>
+                <a:lnSpc>
+                  <a:spcPts val="1500"/>
+                </a:lnSpc>
+                <a:defRPr/>
+              </a:pPr>
+              <a:r>
+                <a:rPr lang="en-GB" sz="3200" baseline="-9000" dirty="0">
+                  <a:solidFill>
+                    <a:schemeClr val="bg2">
+                      <a:lumMod val="40000"/>
+                      <a:lumOff val="60000"/>
+                    </a:schemeClr>
+                  </a:solidFill>
+                  <a:effectLst>
+                    <a:glow>
+                      <a:schemeClr val="bg1"/>
+                    </a:glow>
+                  </a:effectLst>
+                </a:rPr>
+                <a:t> </a:t>
+              </a:r>
+              <a:endParaRPr lang="en-GB" sz="2400" dirty="0">
+                <a:solidFill>
+                  <a:sysClr val="windowText" lastClr="000000"/>
+                </a:solidFill>
+                <a:latin typeface="+mj-lt"/>
+                <a:cs typeface="Arial" panose="020B0604020202020204" pitchFamily="34" charset="0"/>
+              </a:endParaRPr>
+            </a:p>
+          </p:txBody>
+        </p:sp>
+        <p:sp>
+          <p:nvSpPr>
+            <p:cNvPr id="51" name="TextBox 50">
+              <a:extLst>
+                <a:ext uri="{FF2B5EF4-FFF2-40B4-BE49-F238E27FC236}">
+                  <a16:creationId xmlns:a16="http://schemas.microsoft.com/office/drawing/2014/main" id="{0AEA9C2D-9E45-9156-19CA-8C9B63C1AF94}"/>
+                </a:ext>
+              </a:extLst>
+            </p:cNvPr>
+            <p:cNvSpPr txBox="1"/>
+            <p:nvPr/>
+          </p:nvSpPr>
+          <p:spPr>
+            <a:xfrm>
+              <a:off x="5455205" y="1900239"/>
+              <a:ext cx="1549936" cy="400110"/>
+            </a:xfrm>
+            <a:prstGeom prst="rect">
+              <a:avLst/>
+            </a:prstGeom>
+            <a:noFill/>
+          </p:spPr>
+          <p:txBody>
+            <a:bodyPr wrap="square">
+              <a:spAutoFit/>
+            </a:bodyPr>
+            <a:lstStyle/>
+            <a:p>
+              <a:pPr algn="ctr"/>
+              <a:r>
+                <a:rPr lang="en-GB" sz="2000" dirty="0">
+                  <a:latin typeface="+mj-lt"/>
+                  <a:cs typeface="Arial" panose="020B0604020202020204" pitchFamily="34" charset="0"/>
+                </a:rPr>
+                <a:t>Add Vault 🗄️</a:t>
+              </a:r>
+              <a:endParaRPr lang="en-GB" sz="2400" dirty="0">
+                <a:latin typeface="+mj-lt"/>
+                <a:cs typeface="Arial" panose="020B0604020202020204" pitchFamily="34" charset="0"/>
+              </a:endParaRPr>
+            </a:p>
+          </p:txBody>
+        </p:sp>
+      </p:grpSp>
+      <p:cxnSp>
+        <p:nvCxnSpPr>
+          <p:cNvPr id="74" name="Straight Arrow Connector 12">
+            <a:extLst>
+              <a:ext uri="{FF2B5EF4-FFF2-40B4-BE49-F238E27FC236}">
+                <a16:creationId xmlns:a16="http://schemas.microsoft.com/office/drawing/2014/main" id="{A89D4ED7-8C48-5084-71F7-44B7A6F76D7F}"/>
+              </a:ext>
+            </a:extLst>
+          </p:cNvPr>
+          <p:cNvCxnSpPr>
+            <a:cxnSpLocks/>
+            <a:stCxn id="37" idx="1"/>
+            <a:endCxn id="25" idx="3"/>
+          </p:cNvCxnSpPr>
+          <p:nvPr/>
+        </p:nvCxnSpPr>
+        <p:spPr>
+          <a:xfrm flipH="1">
+            <a:off x="4123583" y="3697444"/>
+            <a:ext cx="1687884" cy="12446"/>
+          </a:xfrm>
+          <a:prstGeom prst="straightConnector1">
+            <a:avLst/>
+          </a:prstGeom>
+          <a:ln w="19050" cap="flat" cmpd="sng" algn="ctr">
+            <a:solidFill>
+              <a:schemeClr val="accent2"/>
+            </a:solidFill>
+            <a:prstDash val="solid"/>
+            <a:round/>
+            <a:headEnd type="none" w="med" len="med"/>
+            <a:tailEnd type="triangle" w="lg" len="lg"/>
+          </a:ln>
+        </p:spPr>
+        <p:style>
+          <a:lnRef idx="0">
+            <a:scrgbClr r="0" g="0" b="0"/>
+          </a:lnRef>
+          <a:fillRef idx="0">
+            <a:scrgbClr r="0" g="0" b="0"/>
+          </a:fillRef>
+          <a:effectRef idx="0">
+            <a:scrgbClr r="0" g="0" b="0"/>
+          </a:effectRef>
+          <a:fontRef idx="minor">
+            <a:schemeClr val="tx1"/>
+          </a:fontRef>
+        </p:style>
+      </p:cxnSp>
+      <p:grpSp>
+        <p:nvGrpSpPr>
+          <p:cNvPr id="81" name="Group 80">
+            <a:extLst>
+              <a:ext uri="{FF2B5EF4-FFF2-40B4-BE49-F238E27FC236}">
+                <a16:creationId xmlns:a16="http://schemas.microsoft.com/office/drawing/2014/main" id="{F140D0BB-98F2-37FA-94A5-0C2CA626EF61}"/>
+              </a:ext>
+            </a:extLst>
+          </p:cNvPr>
+          <p:cNvGrpSpPr/>
+          <p:nvPr/>
+        </p:nvGrpSpPr>
+        <p:grpSpPr>
+          <a:xfrm>
+            <a:off x="4269739" y="1894230"/>
+            <a:ext cx="2064930" cy="400110"/>
+            <a:chOff x="2690269" y="4328611"/>
+            <a:chExt cx="2064930" cy="400110"/>
+          </a:xfrm>
+        </p:grpSpPr>
+        <p:sp>
+          <p:nvSpPr>
+            <p:cNvPr id="82" name="Content Placeholder 2">
+              <a:extLst>
+                <a:ext uri="{FF2B5EF4-FFF2-40B4-BE49-F238E27FC236}">
+                  <a16:creationId xmlns:a16="http://schemas.microsoft.com/office/drawing/2014/main" id="{AD6A8968-D555-B3D1-E3C7-B86E673450E4}"/>
                 </a:ext>
               </a:extLst>
             </p:cNvPr>
@@ -10370,8 +10672,8 @@
           </p:nvSpPr>
           <p:spPr>
             <a:xfrm>
-              <a:off x="3188165" y="817458"/>
-              <a:ext cx="5046887" cy="400110"/>
+              <a:off x="3038420" y="4328611"/>
+              <a:ext cx="1716779" cy="400110"/>
             </a:xfrm>
             <a:prstGeom prst="rect">
               <a:avLst/>
@@ -10587,17 +10889,17 @@
                     </a:glow>
                   </a:effectLst>
                 </a:rPr>
-                <a:t>new chat with vault + set vault editor</a:t>
+                <a:t>add vault</a:t>
               </a:r>
             </a:p>
           </p:txBody>
         </p:sp>
         <p:sp>
           <p:nvSpPr>
-            <p:cNvPr id="60" name="Rounded Rectangle 59">
+            <p:cNvPr id="83" name="Rounded Rectangle 82">
               <a:extLst>
                 <a:ext uri="{FF2B5EF4-FFF2-40B4-BE49-F238E27FC236}">
-                  <a16:creationId xmlns:a16="http://schemas.microsoft.com/office/drawing/2014/main" id="{0849F761-048F-3528-4C21-AEF85F492CB6}"/>
+                  <a16:creationId xmlns:a16="http://schemas.microsoft.com/office/drawing/2014/main" id="{C1342D0E-9EF7-97C1-E024-BE265B5B0A57}"/>
                 </a:ext>
               </a:extLst>
             </p:cNvPr>
@@ -10606,14 +10908,14 @@
           </p:nvSpPr>
           <p:spPr>
             <a:xfrm>
-              <a:off x="2796757" y="838442"/>
+              <a:off x="2690269" y="4348666"/>
               <a:ext cx="360000" cy="360000"/>
             </a:xfrm>
             <a:prstGeom prst="roundRect">
               <a:avLst/>
             </a:prstGeom>
             <a:solidFill>
-              <a:schemeClr val="accent4"/>
+              <a:schemeClr val="accent6"/>
             </a:solidFill>
             <a:ln>
               <a:noFill/>
@@ -10644,7 +10946,7 @@
                     <a:schemeClr val="tx1"/>
                   </a:solidFill>
                 </a:rPr>
-                <a:t>4</a:t>
+                <a:t>2</a:t>
               </a:r>
             </a:p>
           </p:txBody>
@@ -10652,10 +10954,10 @@
       </p:grpSp>
       <p:grpSp>
         <p:nvGrpSpPr>
-          <p:cNvPr id="52" name="Group 51">
+          <p:cNvPr id="84" name="Group 83">
             <a:extLst>
               <a:ext uri="{FF2B5EF4-FFF2-40B4-BE49-F238E27FC236}">
-                <a16:creationId xmlns:a16="http://schemas.microsoft.com/office/drawing/2014/main" id="{4CB9BF95-A567-99F3-73BD-C5E6F835BFDE}"/>
+                <a16:creationId xmlns:a16="http://schemas.microsoft.com/office/drawing/2014/main" id="{1F88E38C-BD15-1715-6DA8-FD79CD42334B}"/>
               </a:ext>
             </a:extLst>
           </p:cNvPr>
@@ -10664,18 +10966,18 @@
         </p:nvGrpSpPr>
         <p:grpSpPr>
           <a:xfrm>
-            <a:off x="2442076" y="3453737"/>
-            <a:ext cx="1538427" cy="400110"/>
-            <a:chOff x="2362859" y="1714951"/>
-            <a:chExt cx="1538427" cy="400110"/>
+            <a:off x="4269739" y="3156991"/>
+            <a:ext cx="1417062" cy="400110"/>
+            <a:chOff x="2690269" y="4328611"/>
+            <a:chExt cx="1417062" cy="400110"/>
           </a:xfrm>
         </p:grpSpPr>
         <p:sp>
           <p:nvSpPr>
-            <p:cNvPr id="61" name="Content Placeholder 2">
+            <p:cNvPr id="85" name="Content Placeholder 2">
               <a:extLst>
                 <a:ext uri="{FF2B5EF4-FFF2-40B4-BE49-F238E27FC236}">
-                  <a16:creationId xmlns:a16="http://schemas.microsoft.com/office/drawing/2014/main" id="{C1726671-9507-C629-F509-6DF925CCB8B0}"/>
+                  <a16:creationId xmlns:a16="http://schemas.microsoft.com/office/drawing/2014/main" id="{A515E474-0F84-2650-5582-9B4A847BB4FA}"/>
                 </a:ext>
               </a:extLst>
             </p:cNvPr>
@@ -10686,8 +10988,8 @@
           </p:nvSpPr>
           <p:spPr>
             <a:xfrm>
-              <a:off x="2722859" y="1714951"/>
-              <a:ext cx="1178427" cy="400110"/>
+              <a:off x="3038420" y="4328611"/>
+              <a:ext cx="1068911" cy="400110"/>
             </a:xfrm>
             <a:prstGeom prst="rect">
               <a:avLst/>
@@ -10903,17 +11205,17 @@
                     </a:glow>
                   </a:effectLst>
                 </a:rPr>
-                <a:t>scan</a:t>
+                <a:t>which?</a:t>
               </a:r>
             </a:p>
           </p:txBody>
         </p:sp>
         <p:sp>
           <p:nvSpPr>
-            <p:cNvPr id="62" name="Rounded Rectangle 61">
+            <p:cNvPr id="86" name="Rounded Rectangle 85">
               <a:extLst>
                 <a:ext uri="{FF2B5EF4-FFF2-40B4-BE49-F238E27FC236}">
-                  <a16:creationId xmlns:a16="http://schemas.microsoft.com/office/drawing/2014/main" id="{EC80B0CE-EB3E-9DFB-A1AA-2038C70B8CC9}"/>
+                  <a16:creationId xmlns:a16="http://schemas.microsoft.com/office/drawing/2014/main" id="{AB3C59A2-F6B0-1ACE-E7AD-D421F0E45CD6}"/>
                 </a:ext>
               </a:extLst>
             </p:cNvPr>
@@ -10922,14 +11224,14 @@
           </p:nvSpPr>
           <p:spPr>
             <a:xfrm>
-              <a:off x="2362859" y="1735006"/>
+              <a:off x="2690269" y="4348666"/>
               <a:ext cx="360000" cy="360000"/>
             </a:xfrm>
             <a:prstGeom prst="roundRect">
               <a:avLst/>
             </a:prstGeom>
             <a:solidFill>
-              <a:schemeClr val="accent4"/>
+              <a:schemeClr val="accent2"/>
             </a:solidFill>
             <a:ln>
               <a:noFill/>
@@ -10960,256 +11262,70 @@
                     <a:schemeClr val="tx1"/>
                   </a:solidFill>
                 </a:rPr>
-                <a:t>5</a:t>
+                <a:t>3</a:t>
               </a:r>
             </a:p>
           </p:txBody>
         </p:sp>
       </p:grpSp>
-      <p:sp>
-        <p:nvSpPr>
-          <p:cNvPr id="63" name="Content Placeholder 2">
+      <p:cxnSp>
+        <p:nvCxnSpPr>
+          <p:cNvPr id="91" name="Straight Arrow Connector 12">
             <a:extLst>
               <a:ext uri="{FF2B5EF4-FFF2-40B4-BE49-F238E27FC236}">
-                <a16:creationId xmlns:a16="http://schemas.microsoft.com/office/drawing/2014/main" id="{C45B2A13-7D1C-7E5A-330E-B054CDE68FA8}"/>
+                <a16:creationId xmlns:a16="http://schemas.microsoft.com/office/drawing/2014/main" id="{52A95C9F-CDA6-9452-50A5-1CE26CB659DF}"/>
               </a:ext>
             </a:extLst>
           </p:cNvPr>
-          <p:cNvSpPr txBox="1">
-            <a:spLocks/>
-          </p:cNvSpPr>
+          <p:cNvCxnSpPr>
+            <a:cxnSpLocks/>
+            <a:stCxn id="17" idx="0"/>
+            <a:endCxn id="51" idx="1"/>
+          </p:cNvCxnSpPr>
           <p:nvPr/>
-        </p:nvSpPr>
+        </p:nvCxnSpPr>
         <p:spPr>
-          <a:xfrm>
-            <a:off x="8597209" y="1987652"/>
-            <a:ext cx="1867528" cy="400110"/>
+          <a:xfrm rot="5400000" flipH="1" flipV="1">
+            <a:off x="1205567" y="1950601"/>
+            <a:ext cx="573142" cy="1493956"/>
           </a:xfrm>
-          <a:prstGeom prst="rect">
+          <a:prstGeom prst="bentConnector2">
             <a:avLst/>
           </a:prstGeom>
+          <a:ln w="19050" cap="flat" cmpd="sng" algn="ctr">
+            <a:solidFill>
+              <a:schemeClr val="accent6">
+                <a:lumMod val="60000"/>
+                <a:lumOff val="40000"/>
+              </a:schemeClr>
+            </a:solidFill>
+            <a:prstDash val="dash"/>
+            <a:round/>
+            <a:headEnd type="none" w="med" len="med"/>
+            <a:tailEnd type="triangle" w="lg" len="lg"/>
+          </a:ln>
         </p:spPr>
-        <p:txBody>
-          <a:bodyPr wrap="square">
-            <a:spAutoFit/>
-          </a:bodyPr>
-          <a:lstStyle>
-            <a:lvl1pPr marL="228600" indent="-228600" algn="l" defTabSz="914400" rtl="0" eaLnBrk="1" latinLnBrk="0" hangingPunct="1">
-              <a:lnSpc>
-                <a:spcPct val="90000"/>
-              </a:lnSpc>
-              <a:spcBef>
-                <a:spcPts val="0"/>
-              </a:spcBef>
-              <a:spcAft>
-                <a:spcPts val="1200"/>
-              </a:spcAft>
-              <a:buSzPct val="90000"/>
-              <a:buFont typeface="Amazon Ember" panose="020B0603020204020204" pitchFamily="34" charset="0"/>
-              <a:buChar char="•"/>
-              <a:defRPr sz="2800" kern="1200">
-                <a:solidFill>
-                  <a:schemeClr val="tx1"/>
-                </a:solidFill>
-                <a:latin typeface="+mn-lt"/>
-                <a:ea typeface="+mn-ea"/>
-                <a:cs typeface="+mn-cs"/>
-              </a:defRPr>
-            </a:lvl1pPr>
-            <a:lvl2pPr marL="457200" indent="-228600" algn="l" defTabSz="914400" rtl="0" eaLnBrk="1" latinLnBrk="0" hangingPunct="1">
-              <a:lnSpc>
-                <a:spcPct val="90000"/>
-              </a:lnSpc>
-              <a:spcBef>
-                <a:spcPts val="0"/>
-              </a:spcBef>
-              <a:spcAft>
-                <a:spcPts val="1200"/>
-              </a:spcAft>
-              <a:buSzPct val="90000"/>
-              <a:buFont typeface="Wingdings" panose="05000000000000000000" pitchFamily="2" charset="2"/>
-              <a:buChar char="§"/>
-              <a:defRPr sz="2400" kern="1200">
-                <a:solidFill>
-                  <a:schemeClr val="tx1"/>
-                </a:solidFill>
-                <a:latin typeface="+mn-lt"/>
-                <a:ea typeface="+mn-ea"/>
-                <a:cs typeface="+mn-cs"/>
-              </a:defRPr>
-            </a:lvl2pPr>
-            <a:lvl3pPr marL="685800" indent="-228600" algn="l" defTabSz="914400" rtl="0" eaLnBrk="1" latinLnBrk="0" hangingPunct="1">
-              <a:lnSpc>
-                <a:spcPct val="90000"/>
-              </a:lnSpc>
-              <a:spcBef>
-                <a:spcPts val="0"/>
-              </a:spcBef>
-              <a:spcAft>
-                <a:spcPts val="1200"/>
-              </a:spcAft>
-              <a:buSzPct val="90000"/>
-              <a:buFont typeface="Amazon Ember" panose="020B0603020204020204" pitchFamily="34" charset="0"/>
-              <a:buChar char="–"/>
-              <a:defRPr sz="2000" kern="1200">
-                <a:solidFill>
-                  <a:schemeClr val="tx1"/>
-                </a:solidFill>
-                <a:latin typeface="+mn-lt"/>
-                <a:ea typeface="+mn-ea"/>
-                <a:cs typeface="+mn-cs"/>
-              </a:defRPr>
-            </a:lvl3pPr>
-            <a:lvl4pPr marL="914400" indent="-228600" algn="l" defTabSz="914400" rtl="0" eaLnBrk="1" latinLnBrk="0" hangingPunct="1">
-              <a:lnSpc>
-                <a:spcPct val="90000"/>
-              </a:lnSpc>
-              <a:spcBef>
-                <a:spcPts val="0"/>
-              </a:spcBef>
-              <a:spcAft>
-                <a:spcPts val="1200"/>
-              </a:spcAft>
-              <a:buFont typeface="Amazon Ember" panose="020B0603020204020204" pitchFamily="34" charset="0"/>
-              <a:buChar char="•"/>
-              <a:defRPr sz="1800" kern="1200">
-                <a:solidFill>
-                  <a:schemeClr val="tx1"/>
-                </a:solidFill>
-                <a:latin typeface="+mn-lt"/>
-                <a:ea typeface="+mn-ea"/>
-                <a:cs typeface="+mn-cs"/>
-              </a:defRPr>
-            </a:lvl4pPr>
-            <a:lvl5pPr marL="1143000" indent="-228600" algn="l" defTabSz="914400" rtl="0" eaLnBrk="1" latinLnBrk="0" hangingPunct="1">
-              <a:lnSpc>
-                <a:spcPct val="90000"/>
-              </a:lnSpc>
-              <a:spcBef>
-                <a:spcPts val="0"/>
-              </a:spcBef>
-              <a:spcAft>
-                <a:spcPts val="1200"/>
-              </a:spcAft>
-              <a:buFont typeface="Amazon Ember" panose="020B0603020204020204" pitchFamily="34" charset="0"/>
-              <a:buChar char="•"/>
-              <a:defRPr sz="1800" kern="1200">
-                <a:solidFill>
-                  <a:schemeClr val="tx1"/>
-                </a:solidFill>
-                <a:latin typeface="+mn-lt"/>
-                <a:ea typeface="+mn-ea"/>
-                <a:cs typeface="+mn-cs"/>
-              </a:defRPr>
-            </a:lvl5pPr>
-            <a:lvl6pPr marL="2514600" indent="-228600" algn="l" defTabSz="914400" rtl="0" eaLnBrk="1" latinLnBrk="0" hangingPunct="1">
-              <a:lnSpc>
-                <a:spcPct val="90000"/>
-              </a:lnSpc>
-              <a:spcBef>
-                <a:spcPts val="500"/>
-              </a:spcBef>
-              <a:buFont typeface="Amazon Ember" panose="020B0603020204020204" pitchFamily="34" charset="0"/>
-              <a:buChar char="•"/>
-              <a:defRPr sz="1800" kern="1200">
-                <a:solidFill>
-                  <a:schemeClr val="tx1"/>
-                </a:solidFill>
-                <a:latin typeface="+mn-lt"/>
-                <a:ea typeface="+mn-ea"/>
-                <a:cs typeface="+mn-cs"/>
-              </a:defRPr>
-            </a:lvl6pPr>
-            <a:lvl7pPr marL="2971800" indent="-228600" algn="l" defTabSz="914400" rtl="0" eaLnBrk="1" latinLnBrk="0" hangingPunct="1">
-              <a:lnSpc>
-                <a:spcPct val="90000"/>
-              </a:lnSpc>
-              <a:spcBef>
-                <a:spcPts val="500"/>
-              </a:spcBef>
-              <a:buFont typeface="Amazon Ember" panose="020B0603020204020204" pitchFamily="34" charset="0"/>
-              <a:buChar char="•"/>
-              <a:defRPr sz="1800" kern="1200">
-                <a:solidFill>
-                  <a:schemeClr val="tx1"/>
-                </a:solidFill>
-                <a:latin typeface="+mn-lt"/>
-                <a:ea typeface="+mn-ea"/>
-                <a:cs typeface="+mn-cs"/>
-              </a:defRPr>
-            </a:lvl7pPr>
-            <a:lvl8pPr marL="3429000" indent="-228600" algn="l" defTabSz="914400" rtl="0" eaLnBrk="1" latinLnBrk="0" hangingPunct="1">
-              <a:lnSpc>
-                <a:spcPct val="90000"/>
-              </a:lnSpc>
-              <a:spcBef>
-                <a:spcPts val="500"/>
-              </a:spcBef>
-              <a:buFont typeface="Amazon Ember" panose="020B0603020204020204" pitchFamily="34" charset="0"/>
-              <a:buChar char="•"/>
-              <a:defRPr sz="1800" kern="1200">
-                <a:solidFill>
-                  <a:schemeClr val="tx1"/>
-                </a:solidFill>
-                <a:latin typeface="+mn-lt"/>
-                <a:ea typeface="+mn-ea"/>
-                <a:cs typeface="+mn-cs"/>
-              </a:defRPr>
-            </a:lvl8pPr>
-            <a:lvl9pPr marL="3886200" indent="-228600" algn="l" defTabSz="914400" rtl="0" eaLnBrk="1" latinLnBrk="0" hangingPunct="1">
-              <a:lnSpc>
-                <a:spcPct val="90000"/>
-              </a:lnSpc>
-              <a:spcBef>
-                <a:spcPts val="500"/>
-              </a:spcBef>
-              <a:buFont typeface="Amazon Ember" panose="020B0603020204020204" pitchFamily="34" charset="0"/>
-              <a:buChar char="•"/>
-              <a:defRPr sz="1800" kern="1200">
-                <a:solidFill>
-                  <a:schemeClr val="tx1"/>
-                </a:solidFill>
-                <a:latin typeface="+mn-lt"/>
-                <a:ea typeface="+mn-ea"/>
-                <a:cs typeface="+mn-cs"/>
-              </a:defRPr>
-            </a:lvl9pPr>
-          </a:lstStyle>
-          <a:p>
-            <a:pPr marL="0" indent="0">
-              <a:lnSpc>
-                <a:spcPct val="100000"/>
-              </a:lnSpc>
-              <a:spcAft>
-                <a:spcPts val="600"/>
-              </a:spcAft>
-              <a:buNone/>
-            </a:pPr>
-            <a:r>
-              <a:rPr lang="en-US" sz="2000" i="1" dirty="0">
-                <a:solidFill>
-                  <a:schemeClr val="bg2">
-                    <a:lumMod val="40000"/>
-                    <a:lumOff val="60000"/>
-                  </a:schemeClr>
-                </a:solidFill>
-                <a:effectLst>
-                  <a:glow>
-                    <a:schemeClr val="bg1"/>
-                  </a:glow>
-                </a:effectLst>
-              </a:rPr>
-              <a:t>handshake </a:t>
-            </a:r>
-          </a:p>
-        </p:txBody>
-      </p:sp>
+        <p:style>
+          <a:lnRef idx="0">
+            <a:scrgbClr r="0" g="0" b="0"/>
+          </a:lnRef>
+          <a:fillRef idx="0">
+            <a:scrgbClr r="0" g="0" b="0"/>
+          </a:fillRef>
+          <a:effectRef idx="0">
+            <a:scrgbClr r="0" g="0" b="0"/>
+          </a:effectRef>
+          <a:fontRef idx="minor">
+            <a:schemeClr val="tx1"/>
+          </a:fontRef>
+        </p:style>
+      </p:cxnSp>
       <p:sp>
         <p:nvSpPr>
-          <p:cNvPr id="64" name="Rounded Rectangle 63">
+          <p:cNvPr id="98" name="Rounded Rectangle 97">
             <a:extLst>
               <a:ext uri="{FF2B5EF4-FFF2-40B4-BE49-F238E27FC236}">
-                <a16:creationId xmlns:a16="http://schemas.microsoft.com/office/drawing/2014/main" id="{86026D16-9C3E-8A05-A34C-0BA542D32EAC}"/>
+                <a16:creationId xmlns:a16="http://schemas.microsoft.com/office/drawing/2014/main" id="{AEC53BE4-2AA2-71FF-189D-F20F2FA88E30}"/>
               </a:ext>
             </a:extLst>
           </p:cNvPr>
@@ -11218,14 +11334,14 @@
         </p:nvSpPr>
         <p:spPr>
           <a:xfrm>
-            <a:off x="8226119" y="2008636"/>
+            <a:off x="1640664" y="1914285"/>
             <a:ext cx="360000" cy="360000"/>
           </a:xfrm>
           <a:prstGeom prst="roundRect">
             <a:avLst/>
           </a:prstGeom>
           <a:solidFill>
-            <a:schemeClr val="accent4"/>
+            <a:schemeClr val="accent6"/>
           </a:solidFill>
           <a:ln>
             <a:noFill/>
@@ -11256,17 +11372,17 @@
                   <a:schemeClr val="tx1"/>
                 </a:solidFill>
               </a:rPr>
-              <a:t>6</a:t>
+              <a:t>1</a:t>
             </a:r>
           </a:p>
         </p:txBody>
       </p:sp>
       <p:grpSp>
         <p:nvGrpSpPr>
-          <p:cNvPr id="44" name="Group 43">
+          <p:cNvPr id="16" name="Group 15">
             <a:extLst>
               <a:ext uri="{FF2B5EF4-FFF2-40B4-BE49-F238E27FC236}">
-                <a16:creationId xmlns:a16="http://schemas.microsoft.com/office/drawing/2014/main" id="{882A3C76-FADF-71DF-6ECC-F8F179224939}"/>
+                <a16:creationId xmlns:a16="http://schemas.microsoft.com/office/drawing/2014/main" id="{B64E7EAF-619D-5A87-EBE4-13E63FA0BAE5}"/>
               </a:ext>
             </a:extLst>
           </p:cNvPr>
@@ -11275,18 +11391,67 @@
         </p:nvGrpSpPr>
         <p:grpSpPr>
           <a:xfrm>
-            <a:off x="6274361" y="4797641"/>
-            <a:ext cx="3277238" cy="400110"/>
-            <a:chOff x="2690269" y="4328611"/>
-            <a:chExt cx="3277238" cy="400110"/>
+            <a:off x="242577" y="2984150"/>
+            <a:ext cx="1005166" cy="1446550"/>
+            <a:chOff x="220861" y="1638812"/>
+            <a:chExt cx="1005166" cy="1446550"/>
           </a:xfrm>
         </p:grpSpPr>
         <p:sp>
           <p:nvSpPr>
-            <p:cNvPr id="68" name="Content Placeholder 2">
+            <p:cNvPr id="17" name="TextBox 16">
               <a:extLst>
                 <a:ext uri="{FF2B5EF4-FFF2-40B4-BE49-F238E27FC236}">
-                  <a16:creationId xmlns:a16="http://schemas.microsoft.com/office/drawing/2014/main" id="{E28B5880-A99B-C486-F320-181B206E8B41}"/>
+                  <a16:creationId xmlns:a16="http://schemas.microsoft.com/office/drawing/2014/main" id="{DA7C976F-EDE3-9A91-2F9F-F96A493F3700}"/>
+                </a:ext>
+              </a:extLst>
+            </p:cNvPr>
+            <p:cNvSpPr txBox="1"/>
+            <p:nvPr/>
+          </p:nvSpPr>
+          <p:spPr>
+            <a:xfrm>
+              <a:off x="220861" y="1638812"/>
+              <a:ext cx="1005166" cy="1446550"/>
+            </a:xfrm>
+            <a:prstGeom prst="rect">
+              <a:avLst/>
+            </a:prstGeom>
+            <a:noFill/>
+          </p:spPr>
+          <p:txBody>
+            <a:bodyPr wrap="square">
+              <a:spAutoFit/>
+            </a:bodyPr>
+            <a:lstStyle/>
+            <a:p>
+              <a:pPr algn="ctr"/>
+              <a:r>
+                <a:rPr lang="en-GB" sz="8800" baseline="-9000" dirty="0">
+                  <a:solidFill>
+                    <a:schemeClr val="bg2">
+                      <a:lumMod val="40000"/>
+                      <a:lumOff val="60000"/>
+                    </a:schemeClr>
+                  </a:solidFill>
+                  <a:effectLst>
+                    <a:glow>
+                      <a:schemeClr val="bg1"/>
+                    </a:glow>
+                  </a:effectLst>
+                </a:rPr>
+                <a:t>🧑‍🦰</a:t>
+              </a:r>
+              <a:endParaRPr lang="en-GB" sz="8800" dirty="0"/>
+            </a:p>
+          </p:txBody>
+        </p:sp>
+        <p:sp>
+          <p:nvSpPr>
+            <p:cNvPr id="18" name="Content Placeholder 2">
+              <a:extLst>
+                <a:ext uri="{FF2B5EF4-FFF2-40B4-BE49-F238E27FC236}">
+                  <a16:creationId xmlns:a16="http://schemas.microsoft.com/office/drawing/2014/main" id="{685D543A-4AEC-6738-334E-F7D7EF035926}"/>
                 </a:ext>
               </a:extLst>
             </p:cNvPr>
@@ -11297,8 +11462,8 @@
           </p:nvSpPr>
           <p:spPr>
             <a:xfrm>
-              <a:off x="3038421" y="4328611"/>
-              <a:ext cx="2929086" cy="400110"/>
+              <a:off x="238512" y="1672230"/>
+              <a:ext cx="962007" cy="400110"/>
             </a:xfrm>
             <a:prstGeom prst="rect">
               <a:avLst/>
@@ -11491,7 +11656,7 @@
               </a:lvl9pPr>
             </a:lstStyle>
             <a:p>
-              <a:pPr marL="0" indent="0">
+              <a:pPr marL="0" indent="0" algn="ctr">
                 <a:lnSpc>
                   <a:spcPct val="100000"/>
                 </a:lnSpc>
@@ -11514,313 +11679,67 @@
                     </a:glow>
                   </a:effectLst>
                 </a:rPr>
-                <a:t>write vault settings</a:t>
-              </a:r>
-            </a:p>
-          </p:txBody>
-        </p:sp>
-        <p:sp>
-          <p:nvSpPr>
-            <p:cNvPr id="69" name="Rounded Rectangle 68">
-              <a:extLst>
-                <a:ext uri="{FF2B5EF4-FFF2-40B4-BE49-F238E27FC236}">
-                  <a16:creationId xmlns:a16="http://schemas.microsoft.com/office/drawing/2014/main" id="{161DD4DE-8E8A-E1E7-7368-D64A239B1746}"/>
-                </a:ext>
-              </a:extLst>
-            </p:cNvPr>
-            <p:cNvSpPr/>
-            <p:nvPr/>
-          </p:nvSpPr>
-          <p:spPr>
-            <a:xfrm>
-              <a:off x="2690269" y="4348666"/>
-              <a:ext cx="360000" cy="360000"/>
-            </a:xfrm>
-            <a:prstGeom prst="roundRect">
-              <a:avLst/>
-            </a:prstGeom>
-            <a:solidFill>
-              <a:schemeClr val="accent2"/>
-            </a:solidFill>
-            <a:ln>
-              <a:noFill/>
-            </a:ln>
-          </p:spPr>
-          <p:style>
-            <a:lnRef idx="0">
-              <a:scrgbClr r="0" g="0" b="0"/>
-            </a:lnRef>
-            <a:fillRef idx="0">
-              <a:scrgbClr r="0" g="0" b="0"/>
-            </a:fillRef>
-            <a:effectRef idx="0">
-              <a:scrgbClr r="0" g="0" b="0"/>
-            </a:effectRef>
-            <a:fontRef idx="minor">
-              <a:schemeClr val="lt1"/>
-            </a:fontRef>
-          </p:style>
-          <p:txBody>
-            <a:bodyPr lIns="45720" tIns="45720" rIns="45720" rtlCol="0" anchor="ctr"/>
-            <a:lstStyle/>
-            <a:p>
-              <a:pPr algn="ctr"/>
-              <a:r>
-                <a:rPr lang="en-GB" b="1" dirty="0">
-                  <a:solidFill>
-                    <a:schemeClr val="tx1"/>
-                  </a:solidFill>
-                </a:rPr>
-                <a:t>8</a:t>
+                <a:t>user</a:t>
               </a:r>
             </a:p>
           </p:txBody>
         </p:sp>
       </p:grpSp>
-      <p:sp>
-        <p:nvSpPr>
-          <p:cNvPr id="70" name="Content Placeholder 2">
+      <p:cxnSp>
+        <p:nvCxnSpPr>
+          <p:cNvPr id="54" name="Straight Arrow Connector 12">
             <a:extLst>
               <a:ext uri="{FF2B5EF4-FFF2-40B4-BE49-F238E27FC236}">
-                <a16:creationId xmlns:a16="http://schemas.microsoft.com/office/drawing/2014/main" id="{E04E5B0C-8584-56EA-64A1-252BB2E37CEE}"/>
+                <a16:creationId xmlns:a16="http://schemas.microsoft.com/office/drawing/2014/main" id="{1EE5E70B-B69C-6B9A-EF25-27154304E9AB}"/>
               </a:ext>
             </a:extLst>
           </p:cNvPr>
-          <p:cNvSpPr txBox="1">
-            <a:spLocks/>
-          </p:cNvSpPr>
+          <p:cNvCxnSpPr>
+            <a:cxnSpLocks/>
+            <a:stCxn id="17" idx="3"/>
+            <a:endCxn id="25" idx="1"/>
+          </p:cNvCxnSpPr>
           <p:nvPr/>
-        </p:nvSpPr>
+        </p:nvCxnSpPr>
         <p:spPr>
           <a:xfrm>
-            <a:off x="9458193" y="3721381"/>
-            <a:ext cx="2268902" cy="400110"/>
+            <a:off x="1247743" y="3707425"/>
+            <a:ext cx="887149" cy="2465"/>
           </a:xfrm>
-          <a:prstGeom prst="rect">
+          <a:prstGeom prst="straightConnector1">
             <a:avLst/>
           </a:prstGeom>
+          <a:ln w="19050" cap="flat" cmpd="sng" algn="ctr">
+            <a:solidFill>
+              <a:schemeClr val="accent2"/>
+            </a:solidFill>
+            <a:prstDash val="dash"/>
+            <a:round/>
+            <a:headEnd type="none" w="med" len="med"/>
+            <a:tailEnd type="triangle" w="lg" len="lg"/>
+          </a:ln>
         </p:spPr>
-        <p:txBody>
-          <a:bodyPr wrap="square">
-            <a:spAutoFit/>
-          </a:bodyPr>
-          <a:lstStyle>
-            <a:lvl1pPr marL="228600" indent="-228600" algn="l" defTabSz="914400" rtl="0" eaLnBrk="1" latinLnBrk="0" hangingPunct="1">
-              <a:lnSpc>
-                <a:spcPct val="90000"/>
-              </a:lnSpc>
-              <a:spcBef>
-                <a:spcPts val="0"/>
-              </a:spcBef>
-              <a:spcAft>
-                <a:spcPts val="1200"/>
-              </a:spcAft>
-              <a:buSzPct val="90000"/>
-              <a:buFont typeface="Amazon Ember" panose="020B0603020204020204" pitchFamily="34" charset="0"/>
-              <a:buChar char="•"/>
-              <a:defRPr sz="2800" kern="1200">
-                <a:solidFill>
-                  <a:schemeClr val="tx1"/>
-                </a:solidFill>
-                <a:latin typeface="+mn-lt"/>
-                <a:ea typeface="+mn-ea"/>
-                <a:cs typeface="+mn-cs"/>
-              </a:defRPr>
-            </a:lvl1pPr>
-            <a:lvl2pPr marL="457200" indent="-228600" algn="l" defTabSz="914400" rtl="0" eaLnBrk="1" latinLnBrk="0" hangingPunct="1">
-              <a:lnSpc>
-                <a:spcPct val="90000"/>
-              </a:lnSpc>
-              <a:spcBef>
-                <a:spcPts val="0"/>
-              </a:spcBef>
-              <a:spcAft>
-                <a:spcPts val="1200"/>
-              </a:spcAft>
-              <a:buSzPct val="90000"/>
-              <a:buFont typeface="Wingdings" panose="05000000000000000000" pitchFamily="2" charset="2"/>
-              <a:buChar char="§"/>
-              <a:defRPr sz="2400" kern="1200">
-                <a:solidFill>
-                  <a:schemeClr val="tx1"/>
-                </a:solidFill>
-                <a:latin typeface="+mn-lt"/>
-                <a:ea typeface="+mn-ea"/>
-                <a:cs typeface="+mn-cs"/>
-              </a:defRPr>
-            </a:lvl2pPr>
-            <a:lvl3pPr marL="685800" indent="-228600" algn="l" defTabSz="914400" rtl="0" eaLnBrk="1" latinLnBrk="0" hangingPunct="1">
-              <a:lnSpc>
-                <a:spcPct val="90000"/>
-              </a:lnSpc>
-              <a:spcBef>
-                <a:spcPts val="0"/>
-              </a:spcBef>
-              <a:spcAft>
-                <a:spcPts val="1200"/>
-              </a:spcAft>
-              <a:buSzPct val="90000"/>
-              <a:buFont typeface="Amazon Ember" panose="020B0603020204020204" pitchFamily="34" charset="0"/>
-              <a:buChar char="–"/>
-              <a:defRPr sz="2000" kern="1200">
-                <a:solidFill>
-                  <a:schemeClr val="tx1"/>
-                </a:solidFill>
-                <a:latin typeface="+mn-lt"/>
-                <a:ea typeface="+mn-ea"/>
-                <a:cs typeface="+mn-cs"/>
-              </a:defRPr>
-            </a:lvl3pPr>
-            <a:lvl4pPr marL="914400" indent="-228600" algn="l" defTabSz="914400" rtl="0" eaLnBrk="1" latinLnBrk="0" hangingPunct="1">
-              <a:lnSpc>
-                <a:spcPct val="90000"/>
-              </a:lnSpc>
-              <a:spcBef>
-                <a:spcPts val="0"/>
-              </a:spcBef>
-              <a:spcAft>
-                <a:spcPts val="1200"/>
-              </a:spcAft>
-              <a:buFont typeface="Amazon Ember" panose="020B0603020204020204" pitchFamily="34" charset="0"/>
-              <a:buChar char="•"/>
-              <a:defRPr sz="1800" kern="1200">
-                <a:solidFill>
-                  <a:schemeClr val="tx1"/>
-                </a:solidFill>
-                <a:latin typeface="+mn-lt"/>
-                <a:ea typeface="+mn-ea"/>
-                <a:cs typeface="+mn-cs"/>
-              </a:defRPr>
-            </a:lvl4pPr>
-            <a:lvl5pPr marL="1143000" indent="-228600" algn="l" defTabSz="914400" rtl="0" eaLnBrk="1" latinLnBrk="0" hangingPunct="1">
-              <a:lnSpc>
-                <a:spcPct val="90000"/>
-              </a:lnSpc>
-              <a:spcBef>
-                <a:spcPts val="0"/>
-              </a:spcBef>
-              <a:spcAft>
-                <a:spcPts val="1200"/>
-              </a:spcAft>
-              <a:buFont typeface="Amazon Ember" panose="020B0603020204020204" pitchFamily="34" charset="0"/>
-              <a:buChar char="•"/>
-              <a:defRPr sz="1800" kern="1200">
-                <a:solidFill>
-                  <a:schemeClr val="tx1"/>
-                </a:solidFill>
-                <a:latin typeface="+mn-lt"/>
-                <a:ea typeface="+mn-ea"/>
-                <a:cs typeface="+mn-cs"/>
-              </a:defRPr>
-            </a:lvl5pPr>
-            <a:lvl6pPr marL="2514600" indent="-228600" algn="l" defTabSz="914400" rtl="0" eaLnBrk="1" latinLnBrk="0" hangingPunct="1">
-              <a:lnSpc>
-                <a:spcPct val="90000"/>
-              </a:lnSpc>
-              <a:spcBef>
-                <a:spcPts val="500"/>
-              </a:spcBef>
-              <a:buFont typeface="Amazon Ember" panose="020B0603020204020204" pitchFamily="34" charset="0"/>
-              <a:buChar char="•"/>
-              <a:defRPr sz="1800" kern="1200">
-                <a:solidFill>
-                  <a:schemeClr val="tx1"/>
-                </a:solidFill>
-                <a:latin typeface="+mn-lt"/>
-                <a:ea typeface="+mn-ea"/>
-                <a:cs typeface="+mn-cs"/>
-              </a:defRPr>
-            </a:lvl6pPr>
-            <a:lvl7pPr marL="2971800" indent="-228600" algn="l" defTabSz="914400" rtl="0" eaLnBrk="1" latinLnBrk="0" hangingPunct="1">
-              <a:lnSpc>
-                <a:spcPct val="90000"/>
-              </a:lnSpc>
-              <a:spcBef>
-                <a:spcPts val="500"/>
-              </a:spcBef>
-              <a:buFont typeface="Amazon Ember" panose="020B0603020204020204" pitchFamily="34" charset="0"/>
-              <a:buChar char="•"/>
-              <a:defRPr sz="1800" kern="1200">
-                <a:solidFill>
-                  <a:schemeClr val="tx1"/>
-                </a:solidFill>
-                <a:latin typeface="+mn-lt"/>
-                <a:ea typeface="+mn-ea"/>
-                <a:cs typeface="+mn-cs"/>
-              </a:defRPr>
-            </a:lvl7pPr>
-            <a:lvl8pPr marL="3429000" indent="-228600" algn="l" defTabSz="914400" rtl="0" eaLnBrk="1" latinLnBrk="0" hangingPunct="1">
-              <a:lnSpc>
-                <a:spcPct val="90000"/>
-              </a:lnSpc>
-              <a:spcBef>
-                <a:spcPts val="500"/>
-              </a:spcBef>
-              <a:buFont typeface="Amazon Ember" panose="020B0603020204020204" pitchFamily="34" charset="0"/>
-              <a:buChar char="•"/>
-              <a:defRPr sz="1800" kern="1200">
-                <a:solidFill>
-                  <a:schemeClr val="tx1"/>
-                </a:solidFill>
-                <a:latin typeface="+mn-lt"/>
-                <a:ea typeface="+mn-ea"/>
-                <a:cs typeface="+mn-cs"/>
-              </a:defRPr>
-            </a:lvl8pPr>
-            <a:lvl9pPr marL="3886200" indent="-228600" algn="l" defTabSz="914400" rtl="0" eaLnBrk="1" latinLnBrk="0" hangingPunct="1">
-              <a:lnSpc>
-                <a:spcPct val="90000"/>
-              </a:lnSpc>
-              <a:spcBef>
-                <a:spcPts val="500"/>
-              </a:spcBef>
-              <a:buFont typeface="Amazon Ember" panose="020B0603020204020204" pitchFamily="34" charset="0"/>
-              <a:buChar char="•"/>
-              <a:defRPr sz="1800" kern="1200">
-                <a:solidFill>
-                  <a:schemeClr val="tx1"/>
-                </a:solidFill>
-                <a:latin typeface="+mn-lt"/>
-                <a:ea typeface="+mn-ea"/>
-                <a:cs typeface="+mn-cs"/>
-              </a:defRPr>
-            </a:lvl9pPr>
-          </a:lstStyle>
-          <a:p>
-            <a:pPr marL="0" indent="0">
-              <a:lnSpc>
-                <a:spcPct val="100000"/>
-              </a:lnSpc>
-              <a:spcAft>
-                <a:spcPts val="600"/>
-              </a:spcAft>
-              <a:buNone/>
-            </a:pPr>
-            <a:r>
-              <a:rPr lang="en-US" sz="2000" i="1" dirty="0">
-                <a:solidFill>
-                  <a:schemeClr val="bg2">
-                    <a:lumMod val="40000"/>
-                    <a:lumOff val="60000"/>
-                  </a:schemeClr>
-                </a:solidFill>
-                <a:effectLst>
-                  <a:glow>
-                    <a:schemeClr val="bg1"/>
-                  </a:glow>
-                </a:effectLst>
-              </a:rPr>
-              <a:t>store remotely</a:t>
-            </a:r>
-          </a:p>
-        </p:txBody>
-      </p:sp>
+        <p:style>
+          <a:lnRef idx="0">
+            <a:scrgbClr r="0" g="0" b="0"/>
+          </a:lnRef>
+          <a:fillRef idx="0">
+            <a:scrgbClr r="0" g="0" b="0"/>
+          </a:fillRef>
+          <a:effectRef idx="0">
+            <a:scrgbClr r="0" g="0" b="0"/>
+          </a:effectRef>
+          <a:fontRef idx="minor">
+            <a:schemeClr val="tx1"/>
+          </a:fontRef>
+        </p:style>
+      </p:cxnSp>
       <p:sp>
         <p:nvSpPr>
-          <p:cNvPr id="71" name="Rounded Rectangle 70">
+          <p:cNvPr id="65" name="Rounded Rectangle 64">
             <a:extLst>
               <a:ext uri="{FF2B5EF4-FFF2-40B4-BE49-F238E27FC236}">
-                <a16:creationId xmlns:a16="http://schemas.microsoft.com/office/drawing/2014/main" id="{19332F54-E29D-B0F6-57E1-92C3D885DF2A}"/>
+                <a16:creationId xmlns:a16="http://schemas.microsoft.com/office/drawing/2014/main" id="{4C3B8E11-BD4E-53C3-FA58-14C80A8623A3}"/>
               </a:ext>
             </a:extLst>
           </p:cNvPr>
@@ -11829,7 +11748,7 @@
         </p:nvSpPr>
         <p:spPr>
           <a:xfrm>
-            <a:off x="9088525" y="3741436"/>
+            <a:off x="1636769" y="3184778"/>
             <a:ext cx="360000" cy="360000"/>
           </a:xfrm>
           <a:prstGeom prst="roundRect">
@@ -11867,1631 +11786,7 @@
                   <a:schemeClr val="tx1"/>
                 </a:solidFill>
               </a:rPr>
-              <a:t>9</a:t>
-            </a:r>
-          </a:p>
-        </p:txBody>
-      </p:sp>
-      <p:sp>
-        <p:nvSpPr>
-          <p:cNvPr id="72" name="Rectangle 71">
-            <a:extLst>
-              <a:ext uri="{FF2B5EF4-FFF2-40B4-BE49-F238E27FC236}">
-                <a16:creationId xmlns:a16="http://schemas.microsoft.com/office/drawing/2014/main" id="{51D67303-ABB7-9BD3-A4EB-6185A8360372}"/>
-              </a:ext>
-            </a:extLst>
-          </p:cNvPr>
-          <p:cNvSpPr/>
-          <p:nvPr/>
-        </p:nvSpPr>
-        <p:spPr>
-          <a:xfrm>
-            <a:off x="11171284" y="1200852"/>
-            <a:ext cx="555811" cy="562183"/>
-          </a:xfrm>
-          <a:prstGeom prst="rect">
-            <a:avLst/>
-          </a:prstGeom>
-          <a:solidFill>
-            <a:schemeClr val="tx1"/>
-          </a:solidFill>
-          <a:ln w="28575">
-            <a:solidFill>
-              <a:schemeClr val="tx1">
-                <a:lumMod val="50000"/>
-              </a:schemeClr>
-            </a:solidFill>
-            <a:prstDash val="solid"/>
-          </a:ln>
-        </p:spPr>
-        <p:style>
-          <a:lnRef idx="2">
-            <a:schemeClr val="accent1">
-              <a:shade val="50000"/>
-            </a:schemeClr>
-          </a:lnRef>
-          <a:fillRef idx="1">
-            <a:schemeClr val="accent1"/>
-          </a:fillRef>
-          <a:effectRef idx="0">
-            <a:schemeClr val="accent1"/>
-          </a:effectRef>
-          <a:fontRef idx="minor">
-            <a:schemeClr val="lt1"/>
-          </a:fontRef>
-        </p:style>
-        <p:txBody>
-          <a:bodyPr lIns="144000" tIns="144000" rIns="144000" bIns="144000" anchor="ctr"/>
-          <a:lstStyle/>
-          <a:p>
-            <a:r>
-              <a:rPr lang="en-GB" sz="3200" baseline="-9000" dirty="0">
-                <a:solidFill>
-                  <a:schemeClr val="bg1"/>
-                </a:solidFill>
-                <a:effectLst>
-                  <a:glow>
-                    <a:schemeClr val="bg1"/>
-                  </a:glow>
-                </a:effectLst>
-              </a:rPr>
-              <a:t>🗄️</a:t>
-            </a:r>
-            <a:r>
-              <a:rPr lang="en-GB" sz="2400" baseline="-9000" dirty="0">
-                <a:solidFill>
-                  <a:schemeClr val="bg1"/>
-                </a:solidFill>
-                <a:effectLst>
-                  <a:glow>
-                    <a:schemeClr val="bg1"/>
-                  </a:glow>
-                </a:effectLst>
-                <a:latin typeface="+mj-lt"/>
-                <a:cs typeface="Arial" panose="020B0604020202020204" pitchFamily="34" charset="0"/>
-              </a:rPr>
-              <a:t> </a:t>
-            </a:r>
-            <a:r>
-              <a:rPr lang="en-GB" sz="2400" dirty="0">
-                <a:solidFill>
-                  <a:schemeClr val="bg1"/>
-                </a:solidFill>
-                <a:latin typeface="+mj-lt"/>
-                <a:cs typeface="Arial" panose="020B0604020202020204" pitchFamily="34" charset="0"/>
-              </a:rPr>
-              <a:t> </a:t>
-            </a:r>
-          </a:p>
-        </p:txBody>
-      </p:sp>
-      <p:sp>
-        <p:nvSpPr>
-          <p:cNvPr id="76" name="TextBox 75">
-            <a:extLst>
-              <a:ext uri="{FF2B5EF4-FFF2-40B4-BE49-F238E27FC236}">
-                <a16:creationId xmlns:a16="http://schemas.microsoft.com/office/drawing/2014/main" id="{BB96B484-DED7-5F33-4C9A-20FD2D1F67F3}"/>
-              </a:ext>
-            </a:extLst>
-          </p:cNvPr>
-          <p:cNvSpPr txBox="1"/>
-          <p:nvPr/>
-        </p:nvSpPr>
-        <p:spPr>
-          <a:xfrm>
-            <a:off x="7122163" y="397938"/>
-            <a:ext cx="4696372" cy="400110"/>
-          </a:xfrm>
-          <a:prstGeom prst="rect">
-            <a:avLst/>
-          </a:prstGeom>
-          <a:noFill/>
-        </p:spPr>
-        <p:txBody>
-          <a:bodyPr wrap="square">
-            <a:spAutoFit/>
-          </a:bodyPr>
-          <a:lstStyle/>
-          <a:p>
-            <a:r>
-              <a:rPr lang="en-GB" sz="2000" i="1" dirty="0">
-                <a:solidFill>
-                  <a:schemeClr val="tx1">
-                    <a:lumMod val="75000"/>
-                  </a:schemeClr>
-                </a:solidFill>
-                <a:latin typeface="+mj-lt"/>
-                <a:cs typeface="Arial" panose="020B0604020202020204" pitchFamily="34" charset="0"/>
-              </a:rPr>
-              <a:t>user bound vaults</a:t>
-            </a:r>
-          </a:p>
-        </p:txBody>
-      </p:sp>
-      <p:grpSp>
-        <p:nvGrpSpPr>
-          <p:cNvPr id="31" name="Group 30">
-            <a:extLst>
-              <a:ext uri="{FF2B5EF4-FFF2-40B4-BE49-F238E27FC236}">
-                <a16:creationId xmlns:a16="http://schemas.microsoft.com/office/drawing/2014/main" id="{90E03A91-05B4-EBC5-1F3E-4A12EAA1B043}"/>
-              </a:ext>
-            </a:extLst>
-          </p:cNvPr>
-          <p:cNvGrpSpPr/>
-          <p:nvPr/>
-        </p:nvGrpSpPr>
-        <p:grpSpPr>
-          <a:xfrm>
-            <a:off x="4045430" y="3065740"/>
-            <a:ext cx="1974039" cy="482053"/>
-            <a:chOff x="5455205" y="1866093"/>
-            <a:chExt cx="1794581" cy="482053"/>
-          </a:xfrm>
-        </p:grpSpPr>
-        <p:sp>
-          <p:nvSpPr>
-            <p:cNvPr id="35" name="Rectangle 34">
-              <a:extLst>
-                <a:ext uri="{FF2B5EF4-FFF2-40B4-BE49-F238E27FC236}">
-                  <a16:creationId xmlns:a16="http://schemas.microsoft.com/office/drawing/2014/main" id="{4F93E03C-2F70-DAA7-3279-73F813324AC3}"/>
-                </a:ext>
-              </a:extLst>
-            </p:cNvPr>
-            <p:cNvSpPr/>
-            <p:nvPr/>
-          </p:nvSpPr>
-          <p:spPr>
-            <a:xfrm>
-              <a:off x="5455205" y="1866093"/>
-              <a:ext cx="1794581" cy="482053"/>
-            </a:xfrm>
-            <a:prstGeom prst="rect">
-              <a:avLst/>
-            </a:prstGeom>
-            <a:solidFill>
-              <a:schemeClr val="bg1"/>
-            </a:solidFill>
-            <a:ln w="28575">
-              <a:solidFill>
-                <a:schemeClr val="tx1">
-                  <a:lumMod val="50000"/>
-                </a:schemeClr>
-              </a:solidFill>
-              <a:prstDash val="solid"/>
-            </a:ln>
-          </p:spPr>
-          <p:style>
-            <a:lnRef idx="2">
-              <a:schemeClr val="accent1">
-                <a:shade val="50000"/>
-              </a:schemeClr>
-            </a:lnRef>
-            <a:fillRef idx="1">
-              <a:schemeClr val="accent1"/>
-            </a:fillRef>
-            <a:effectRef idx="0">
-              <a:schemeClr val="accent1"/>
-            </a:effectRef>
-            <a:fontRef idx="minor">
-              <a:schemeClr val="lt1"/>
-            </a:fontRef>
-          </p:style>
-          <p:txBody>
-            <a:bodyPr lIns="144000" tIns="144000" rIns="144000" bIns="144000" anchor="ctr"/>
-            <a:lstStyle/>
-            <a:p>
-              <a:pPr>
-                <a:lnSpc>
-                  <a:spcPts val="1500"/>
-                </a:lnSpc>
-                <a:defRPr/>
-              </a:pPr>
-              <a:r>
-                <a:rPr lang="en-GB" sz="3200" baseline="-9000" dirty="0">
-                  <a:solidFill>
-                    <a:schemeClr val="bg2">
-                      <a:lumMod val="40000"/>
-                      <a:lumOff val="60000"/>
-                    </a:schemeClr>
-                  </a:solidFill>
-                  <a:effectLst>
-                    <a:glow>
-                      <a:schemeClr val="bg1"/>
-                    </a:glow>
-                  </a:effectLst>
-                </a:rPr>
-                <a:t> </a:t>
-              </a:r>
-              <a:endParaRPr lang="en-GB" sz="2400" dirty="0">
-                <a:solidFill>
-                  <a:sysClr val="windowText" lastClr="000000"/>
-                </a:solidFill>
-                <a:latin typeface="+mj-lt"/>
-                <a:cs typeface="Arial" panose="020B0604020202020204" pitchFamily="34" charset="0"/>
-              </a:endParaRPr>
-            </a:p>
-          </p:txBody>
-        </p:sp>
-        <p:sp>
-          <p:nvSpPr>
-            <p:cNvPr id="39" name="TextBox 38">
-              <a:extLst>
-                <a:ext uri="{FF2B5EF4-FFF2-40B4-BE49-F238E27FC236}">
-                  <a16:creationId xmlns:a16="http://schemas.microsoft.com/office/drawing/2014/main" id="{7EBE5737-8653-6B7F-9319-FC7A9D136524}"/>
-                </a:ext>
-              </a:extLst>
-            </p:cNvPr>
-            <p:cNvSpPr txBox="1"/>
-            <p:nvPr/>
-          </p:nvSpPr>
-          <p:spPr>
-            <a:xfrm>
-              <a:off x="5455205" y="1900239"/>
-              <a:ext cx="1794580" cy="400110"/>
-            </a:xfrm>
-            <a:prstGeom prst="rect">
-              <a:avLst/>
-            </a:prstGeom>
-            <a:noFill/>
-          </p:spPr>
-          <p:txBody>
-            <a:bodyPr wrap="square">
-              <a:spAutoFit/>
-            </a:bodyPr>
-            <a:lstStyle/>
-            <a:p>
-              <a:pPr algn="ctr"/>
-              <a:r>
-                <a:rPr lang="en-GB" sz="2000" dirty="0">
-                  <a:latin typeface="+mj-lt"/>
-                  <a:cs typeface="Arial" panose="020B0604020202020204" pitchFamily="34" charset="0"/>
-                </a:rPr>
-                <a:t>Callback QR ✨</a:t>
-              </a:r>
-              <a:endParaRPr lang="en-GB" sz="2400" dirty="0">
-                <a:latin typeface="+mj-lt"/>
-                <a:cs typeface="Arial" panose="020B0604020202020204" pitchFamily="34" charset="0"/>
-              </a:endParaRPr>
-            </a:p>
-          </p:txBody>
-        </p:sp>
-      </p:grpSp>
-      <p:grpSp>
-        <p:nvGrpSpPr>
-          <p:cNvPr id="40" name="Group 39">
-            <a:extLst>
-              <a:ext uri="{FF2B5EF4-FFF2-40B4-BE49-F238E27FC236}">
-                <a16:creationId xmlns:a16="http://schemas.microsoft.com/office/drawing/2014/main" id="{C72698D1-04BB-CF07-71E3-0FCA885AE717}"/>
-              </a:ext>
-            </a:extLst>
-          </p:cNvPr>
-          <p:cNvGrpSpPr/>
-          <p:nvPr/>
-        </p:nvGrpSpPr>
-        <p:grpSpPr>
-          <a:xfrm>
-            <a:off x="4045430" y="4425551"/>
-            <a:ext cx="1974039" cy="482053"/>
-            <a:chOff x="5365475" y="2463244"/>
-            <a:chExt cx="1974039" cy="482053"/>
-          </a:xfrm>
-        </p:grpSpPr>
-        <p:sp>
-          <p:nvSpPr>
-            <p:cNvPr id="41" name="Rectangle 40">
-              <a:extLst>
-                <a:ext uri="{FF2B5EF4-FFF2-40B4-BE49-F238E27FC236}">
-                  <a16:creationId xmlns:a16="http://schemas.microsoft.com/office/drawing/2014/main" id="{CCF3A11E-97B2-8A11-0B28-F26A3EB79FFA}"/>
-                </a:ext>
-              </a:extLst>
-            </p:cNvPr>
-            <p:cNvSpPr/>
-            <p:nvPr/>
-          </p:nvSpPr>
-          <p:spPr>
-            <a:xfrm>
-              <a:off x="5365475" y="2463244"/>
-              <a:ext cx="1974039" cy="482053"/>
-            </a:xfrm>
-            <a:prstGeom prst="rect">
-              <a:avLst/>
-            </a:prstGeom>
-            <a:solidFill>
-              <a:schemeClr val="bg1"/>
-            </a:solidFill>
-            <a:ln w="28575">
-              <a:solidFill>
-                <a:schemeClr val="tx1">
-                  <a:lumMod val="50000"/>
-                </a:schemeClr>
-              </a:solidFill>
-              <a:prstDash val="solid"/>
-            </a:ln>
-          </p:spPr>
-          <p:style>
-            <a:lnRef idx="2">
-              <a:schemeClr val="accent1">
-                <a:shade val="50000"/>
-              </a:schemeClr>
-            </a:lnRef>
-            <a:fillRef idx="1">
-              <a:schemeClr val="accent1"/>
-            </a:fillRef>
-            <a:effectRef idx="0">
-              <a:schemeClr val="accent1"/>
-            </a:effectRef>
-            <a:fontRef idx="minor">
-              <a:schemeClr val="lt1"/>
-            </a:fontRef>
-          </p:style>
-          <p:txBody>
-            <a:bodyPr lIns="144000" tIns="144000" rIns="144000" bIns="144000" anchor="ctr"/>
-            <a:lstStyle/>
-            <a:p>
-              <a:pPr>
-                <a:lnSpc>
-                  <a:spcPts val="1500"/>
-                </a:lnSpc>
-                <a:defRPr/>
-              </a:pPr>
-              <a:r>
-                <a:rPr lang="en-GB" sz="3200" baseline="-9000" dirty="0">
-                  <a:solidFill>
-                    <a:schemeClr val="bg2">
-                      <a:lumMod val="40000"/>
-                      <a:lumOff val="60000"/>
-                    </a:schemeClr>
-                  </a:solidFill>
-                  <a:effectLst>
-                    <a:glow>
-                      <a:schemeClr val="bg1"/>
-                    </a:glow>
-                  </a:effectLst>
-                </a:rPr>
-                <a:t> </a:t>
-              </a:r>
-              <a:endParaRPr lang="en-GB" sz="2400" dirty="0">
-                <a:solidFill>
-                  <a:sysClr val="windowText" lastClr="000000"/>
-                </a:solidFill>
-                <a:latin typeface="+mj-lt"/>
-                <a:cs typeface="Arial" panose="020B0604020202020204" pitchFamily="34" charset="0"/>
-              </a:endParaRPr>
-            </a:p>
-          </p:txBody>
-        </p:sp>
-        <p:sp>
-          <p:nvSpPr>
-            <p:cNvPr id="43" name="TextBox 42">
-              <a:extLst>
-                <a:ext uri="{FF2B5EF4-FFF2-40B4-BE49-F238E27FC236}">
-                  <a16:creationId xmlns:a16="http://schemas.microsoft.com/office/drawing/2014/main" id="{AE8B25E5-7F0A-68AF-EFFC-263014E49847}"/>
-                </a:ext>
-              </a:extLst>
-            </p:cNvPr>
-            <p:cNvSpPr txBox="1"/>
-            <p:nvPr/>
-          </p:nvSpPr>
-          <p:spPr>
-            <a:xfrm>
-              <a:off x="5365476" y="2513228"/>
-              <a:ext cx="1974038" cy="400110"/>
-            </a:xfrm>
-            <a:prstGeom prst="rect">
-              <a:avLst/>
-            </a:prstGeom>
-            <a:noFill/>
-          </p:spPr>
-          <p:txBody>
-            <a:bodyPr wrap="square">
-              <a:spAutoFit/>
-            </a:bodyPr>
-            <a:lstStyle/>
-            <a:p>
-              <a:pPr algn="ctr"/>
-              <a:r>
-                <a:rPr lang="en-GB" sz="2000" dirty="0">
-                  <a:latin typeface="+mj-lt"/>
-                  <a:cs typeface="Arial" panose="020B0604020202020204" pitchFamily="34" charset="0"/>
-                </a:rPr>
-                <a:t>Editor 📝</a:t>
-              </a:r>
-              <a:endParaRPr lang="en-GB" sz="2400" dirty="0">
-                <a:latin typeface="+mj-lt"/>
-                <a:cs typeface="Arial" panose="020B0604020202020204" pitchFamily="34" charset="0"/>
-              </a:endParaRPr>
-            </a:p>
-          </p:txBody>
-        </p:sp>
-      </p:grpSp>
-      <p:grpSp>
-        <p:nvGrpSpPr>
-          <p:cNvPr id="48" name="Group 47">
-            <a:extLst>
-              <a:ext uri="{FF2B5EF4-FFF2-40B4-BE49-F238E27FC236}">
-                <a16:creationId xmlns:a16="http://schemas.microsoft.com/office/drawing/2014/main" id="{09AC1F04-8A90-B678-1AC3-4971F06205DB}"/>
-              </a:ext>
-            </a:extLst>
-          </p:cNvPr>
-          <p:cNvGrpSpPr/>
-          <p:nvPr/>
-        </p:nvGrpSpPr>
-        <p:grpSpPr>
-          <a:xfrm>
-            <a:off x="4045429" y="2446033"/>
-            <a:ext cx="1974039" cy="482053"/>
-            <a:chOff x="5455205" y="1866093"/>
-            <a:chExt cx="1794581" cy="482053"/>
-          </a:xfrm>
-        </p:grpSpPr>
-        <p:sp>
-          <p:nvSpPr>
-            <p:cNvPr id="50" name="Rectangle 49">
-              <a:extLst>
-                <a:ext uri="{FF2B5EF4-FFF2-40B4-BE49-F238E27FC236}">
-                  <a16:creationId xmlns:a16="http://schemas.microsoft.com/office/drawing/2014/main" id="{0ECF0E59-2178-9688-F965-E46CA9D32B37}"/>
-                </a:ext>
-              </a:extLst>
-            </p:cNvPr>
-            <p:cNvSpPr/>
-            <p:nvPr/>
-          </p:nvSpPr>
-          <p:spPr>
-            <a:xfrm>
-              <a:off x="5455205" y="1866093"/>
-              <a:ext cx="1794581" cy="482053"/>
-            </a:xfrm>
-            <a:prstGeom prst="rect">
-              <a:avLst/>
-            </a:prstGeom>
-            <a:solidFill>
-              <a:schemeClr val="bg1"/>
-            </a:solidFill>
-            <a:ln w="28575">
-              <a:solidFill>
-                <a:schemeClr val="tx1">
-                  <a:lumMod val="50000"/>
-                </a:schemeClr>
-              </a:solidFill>
-              <a:prstDash val="solid"/>
-            </a:ln>
-          </p:spPr>
-          <p:style>
-            <a:lnRef idx="2">
-              <a:schemeClr val="accent1">
-                <a:shade val="50000"/>
-              </a:schemeClr>
-            </a:lnRef>
-            <a:fillRef idx="1">
-              <a:schemeClr val="accent1"/>
-            </a:fillRef>
-            <a:effectRef idx="0">
-              <a:schemeClr val="accent1"/>
-            </a:effectRef>
-            <a:fontRef idx="minor">
-              <a:schemeClr val="lt1"/>
-            </a:fontRef>
-          </p:style>
-          <p:txBody>
-            <a:bodyPr lIns="144000" tIns="144000" rIns="144000" bIns="144000" anchor="ctr"/>
-            <a:lstStyle/>
-            <a:p>
-              <a:pPr>
-                <a:lnSpc>
-                  <a:spcPts val="1500"/>
-                </a:lnSpc>
-                <a:defRPr/>
-              </a:pPr>
-              <a:r>
-                <a:rPr lang="en-GB" sz="3200" baseline="-9000" dirty="0">
-                  <a:solidFill>
-                    <a:schemeClr val="bg2">
-                      <a:lumMod val="40000"/>
-                      <a:lumOff val="60000"/>
-                    </a:schemeClr>
-                  </a:solidFill>
-                  <a:effectLst>
-                    <a:glow>
-                      <a:schemeClr val="bg1"/>
-                    </a:glow>
-                  </a:effectLst>
-                </a:rPr>
-                <a:t> </a:t>
-              </a:r>
-              <a:endParaRPr lang="en-GB" sz="2400" dirty="0">
-                <a:solidFill>
-                  <a:sysClr val="windowText" lastClr="000000"/>
-                </a:solidFill>
-                <a:latin typeface="+mj-lt"/>
-                <a:cs typeface="Arial" panose="020B0604020202020204" pitchFamily="34" charset="0"/>
-              </a:endParaRPr>
-            </a:p>
-          </p:txBody>
-        </p:sp>
-        <p:sp>
-          <p:nvSpPr>
-            <p:cNvPr id="51" name="TextBox 50">
-              <a:extLst>
-                <a:ext uri="{FF2B5EF4-FFF2-40B4-BE49-F238E27FC236}">
-                  <a16:creationId xmlns:a16="http://schemas.microsoft.com/office/drawing/2014/main" id="{0AEA9C2D-9E45-9156-19CA-8C9B63C1AF94}"/>
-                </a:ext>
-              </a:extLst>
-            </p:cNvPr>
-            <p:cNvSpPr txBox="1"/>
-            <p:nvPr/>
-          </p:nvSpPr>
-          <p:spPr>
-            <a:xfrm>
-              <a:off x="5455205" y="1900239"/>
-              <a:ext cx="1794580" cy="400110"/>
-            </a:xfrm>
-            <a:prstGeom prst="rect">
-              <a:avLst/>
-            </a:prstGeom>
-            <a:noFill/>
-          </p:spPr>
-          <p:txBody>
-            <a:bodyPr wrap="square">
-              <a:spAutoFit/>
-            </a:bodyPr>
-            <a:lstStyle/>
-            <a:p>
-              <a:pPr algn="ctr"/>
-              <a:r>
-                <a:rPr lang="en-GB" sz="2000" dirty="0">
-                  <a:latin typeface="+mj-lt"/>
-                  <a:cs typeface="Arial" panose="020B0604020202020204" pitchFamily="34" charset="0"/>
-                </a:rPr>
-                <a:t>Add Vault 🗄️</a:t>
-              </a:r>
-              <a:endParaRPr lang="en-GB" sz="2400" dirty="0">
-                <a:latin typeface="+mj-lt"/>
-                <a:cs typeface="Arial" panose="020B0604020202020204" pitchFamily="34" charset="0"/>
-              </a:endParaRPr>
-            </a:p>
-          </p:txBody>
-        </p:sp>
-      </p:grpSp>
-      <p:cxnSp>
-        <p:nvCxnSpPr>
-          <p:cNvPr id="55" name="Straight Arrow Connector 12">
-            <a:extLst>
-              <a:ext uri="{FF2B5EF4-FFF2-40B4-BE49-F238E27FC236}">
-                <a16:creationId xmlns:a16="http://schemas.microsoft.com/office/drawing/2014/main" id="{BD97EE45-0549-1576-07AF-FCCF37E6EF63}"/>
-              </a:ext>
-            </a:extLst>
-          </p:cNvPr>
-          <p:cNvCxnSpPr>
-            <a:cxnSpLocks/>
-            <a:stCxn id="43" idx="3"/>
-            <a:endCxn id="37" idx="2"/>
-          </p:cNvCxnSpPr>
-          <p:nvPr/>
-        </p:nvCxnSpPr>
-        <p:spPr>
-          <a:xfrm flipV="1">
-            <a:off x="6019469" y="4121491"/>
-            <a:ext cx="2061522" cy="554099"/>
-          </a:xfrm>
-          <a:prstGeom prst="bentConnector2">
-            <a:avLst/>
-          </a:prstGeom>
-          <a:ln>
-            <a:solidFill>
-              <a:schemeClr val="accent2"/>
-            </a:solidFill>
-            <a:prstDash val="solid"/>
-            <a:tailEnd type="triangle" w="lg" len="lg"/>
-          </a:ln>
-        </p:spPr>
-        <p:style>
-          <a:lnRef idx="3">
-            <a:schemeClr val="accent2"/>
-          </a:lnRef>
-          <a:fillRef idx="0">
-            <a:schemeClr val="accent2"/>
-          </a:fillRef>
-          <a:effectRef idx="2">
-            <a:schemeClr val="accent2"/>
-          </a:effectRef>
-          <a:fontRef idx="minor">
-            <a:schemeClr val="tx1"/>
-          </a:fontRef>
-        </p:style>
-      </p:cxnSp>
-      <p:cxnSp>
-        <p:nvCxnSpPr>
-          <p:cNvPr id="74" name="Straight Arrow Connector 12">
-            <a:extLst>
-              <a:ext uri="{FF2B5EF4-FFF2-40B4-BE49-F238E27FC236}">
-                <a16:creationId xmlns:a16="http://schemas.microsoft.com/office/drawing/2014/main" id="{A89D4ED7-8C48-5084-71F7-44B7A6F76D7F}"/>
-              </a:ext>
-            </a:extLst>
-          </p:cNvPr>
-          <p:cNvCxnSpPr>
-            <a:cxnSpLocks/>
-            <a:stCxn id="58" idx="1"/>
-            <a:endCxn id="39" idx="3"/>
-          </p:cNvCxnSpPr>
-          <p:nvPr/>
-        </p:nvCxnSpPr>
-        <p:spPr>
-          <a:xfrm flipH="1" flipV="1">
-            <a:off x="6019468" y="3299941"/>
-            <a:ext cx="1180800" cy="0"/>
-          </a:xfrm>
-          <a:prstGeom prst="straightConnector1">
-            <a:avLst/>
-          </a:prstGeom>
-          <a:ln w="19050" cap="flat" cmpd="sng" algn="ctr">
-            <a:solidFill>
-              <a:schemeClr val="accent6">
-                <a:lumMod val="60000"/>
-                <a:lumOff val="40000"/>
-              </a:schemeClr>
-            </a:solidFill>
-            <a:prstDash val="solid"/>
-            <a:round/>
-            <a:headEnd type="none" w="med" len="med"/>
-            <a:tailEnd type="triangle" w="lg" len="lg"/>
-          </a:ln>
-        </p:spPr>
-        <p:style>
-          <a:lnRef idx="0">
-            <a:scrgbClr r="0" g="0" b="0"/>
-          </a:lnRef>
-          <a:fillRef idx="0">
-            <a:scrgbClr r="0" g="0" b="0"/>
-          </a:fillRef>
-          <a:effectRef idx="0">
-            <a:scrgbClr r="0" g="0" b="0"/>
-          </a:effectRef>
-          <a:fontRef idx="minor">
-            <a:schemeClr val="tx1"/>
-          </a:fontRef>
-        </p:style>
-      </p:cxnSp>
-      <p:grpSp>
-        <p:nvGrpSpPr>
-          <p:cNvPr id="81" name="Group 80">
-            <a:extLst>
-              <a:ext uri="{FF2B5EF4-FFF2-40B4-BE49-F238E27FC236}">
-                <a16:creationId xmlns:a16="http://schemas.microsoft.com/office/drawing/2014/main" id="{F140D0BB-98F2-37FA-94A5-0C2CA626EF61}"/>
-              </a:ext>
-            </a:extLst>
-          </p:cNvPr>
-          <p:cNvGrpSpPr/>
-          <p:nvPr/>
-        </p:nvGrpSpPr>
-        <p:grpSpPr>
-          <a:xfrm>
-            <a:off x="6274361" y="2163456"/>
-            <a:ext cx="1115610" cy="400110"/>
-            <a:chOff x="2690269" y="4328611"/>
-            <a:chExt cx="1115610" cy="400110"/>
-          </a:xfrm>
-        </p:grpSpPr>
-        <p:sp>
-          <p:nvSpPr>
-            <p:cNvPr id="82" name="Content Placeholder 2">
-              <a:extLst>
-                <a:ext uri="{FF2B5EF4-FFF2-40B4-BE49-F238E27FC236}">
-                  <a16:creationId xmlns:a16="http://schemas.microsoft.com/office/drawing/2014/main" id="{AD6A8968-D555-B3D1-E3C7-B86E673450E4}"/>
-                </a:ext>
-              </a:extLst>
-            </p:cNvPr>
-            <p:cNvSpPr txBox="1">
-              <a:spLocks/>
-            </p:cNvSpPr>
-            <p:nvPr/>
-          </p:nvSpPr>
-          <p:spPr>
-            <a:xfrm>
-              <a:off x="3038421" y="4328611"/>
-              <a:ext cx="767458" cy="400110"/>
-            </a:xfrm>
-            <a:prstGeom prst="rect">
-              <a:avLst/>
-            </a:prstGeom>
-          </p:spPr>
-          <p:txBody>
-            <a:bodyPr wrap="square">
-              <a:spAutoFit/>
-            </a:bodyPr>
-            <a:lstStyle>
-              <a:lvl1pPr marL="228600" indent="-228600" algn="l" defTabSz="914400" rtl="0" eaLnBrk="1" latinLnBrk="0" hangingPunct="1">
-                <a:lnSpc>
-                  <a:spcPct val="90000"/>
-                </a:lnSpc>
-                <a:spcBef>
-                  <a:spcPts val="0"/>
-                </a:spcBef>
-                <a:spcAft>
-                  <a:spcPts val="1200"/>
-                </a:spcAft>
-                <a:buSzPct val="90000"/>
-                <a:buFont typeface="Amazon Ember" panose="020B0603020204020204" pitchFamily="34" charset="0"/>
-                <a:buChar char="•"/>
-                <a:defRPr sz="2800" kern="1200">
-                  <a:solidFill>
-                    <a:schemeClr val="tx1"/>
-                  </a:solidFill>
-                  <a:latin typeface="+mn-lt"/>
-                  <a:ea typeface="+mn-ea"/>
-                  <a:cs typeface="+mn-cs"/>
-                </a:defRPr>
-              </a:lvl1pPr>
-              <a:lvl2pPr marL="457200" indent="-228600" algn="l" defTabSz="914400" rtl="0" eaLnBrk="1" latinLnBrk="0" hangingPunct="1">
-                <a:lnSpc>
-                  <a:spcPct val="90000"/>
-                </a:lnSpc>
-                <a:spcBef>
-                  <a:spcPts val="0"/>
-                </a:spcBef>
-                <a:spcAft>
-                  <a:spcPts val="1200"/>
-                </a:spcAft>
-                <a:buSzPct val="90000"/>
-                <a:buFont typeface="Wingdings" panose="05000000000000000000" pitchFamily="2" charset="2"/>
-                <a:buChar char="§"/>
-                <a:defRPr sz="2400" kern="1200">
-                  <a:solidFill>
-                    <a:schemeClr val="tx1"/>
-                  </a:solidFill>
-                  <a:latin typeface="+mn-lt"/>
-                  <a:ea typeface="+mn-ea"/>
-                  <a:cs typeface="+mn-cs"/>
-                </a:defRPr>
-              </a:lvl2pPr>
-              <a:lvl3pPr marL="685800" indent="-228600" algn="l" defTabSz="914400" rtl="0" eaLnBrk="1" latinLnBrk="0" hangingPunct="1">
-                <a:lnSpc>
-                  <a:spcPct val="90000"/>
-                </a:lnSpc>
-                <a:spcBef>
-                  <a:spcPts val="0"/>
-                </a:spcBef>
-                <a:spcAft>
-                  <a:spcPts val="1200"/>
-                </a:spcAft>
-                <a:buSzPct val="90000"/>
-                <a:buFont typeface="Amazon Ember" panose="020B0603020204020204" pitchFamily="34" charset="0"/>
-                <a:buChar char="–"/>
-                <a:defRPr sz="2000" kern="1200">
-                  <a:solidFill>
-                    <a:schemeClr val="tx1"/>
-                  </a:solidFill>
-                  <a:latin typeface="+mn-lt"/>
-                  <a:ea typeface="+mn-ea"/>
-                  <a:cs typeface="+mn-cs"/>
-                </a:defRPr>
-              </a:lvl3pPr>
-              <a:lvl4pPr marL="914400" indent="-228600" algn="l" defTabSz="914400" rtl="0" eaLnBrk="1" latinLnBrk="0" hangingPunct="1">
-                <a:lnSpc>
-                  <a:spcPct val="90000"/>
-                </a:lnSpc>
-                <a:spcBef>
-                  <a:spcPts val="0"/>
-                </a:spcBef>
-                <a:spcAft>
-                  <a:spcPts val="1200"/>
-                </a:spcAft>
-                <a:buFont typeface="Amazon Ember" panose="020B0603020204020204" pitchFamily="34" charset="0"/>
-                <a:buChar char="•"/>
-                <a:defRPr sz="1800" kern="1200">
-                  <a:solidFill>
-                    <a:schemeClr val="tx1"/>
-                  </a:solidFill>
-                  <a:latin typeface="+mn-lt"/>
-                  <a:ea typeface="+mn-ea"/>
-                  <a:cs typeface="+mn-cs"/>
-                </a:defRPr>
-              </a:lvl4pPr>
-              <a:lvl5pPr marL="1143000" indent="-228600" algn="l" defTabSz="914400" rtl="0" eaLnBrk="1" latinLnBrk="0" hangingPunct="1">
-                <a:lnSpc>
-                  <a:spcPct val="90000"/>
-                </a:lnSpc>
-                <a:spcBef>
-                  <a:spcPts val="0"/>
-                </a:spcBef>
-                <a:spcAft>
-                  <a:spcPts val="1200"/>
-                </a:spcAft>
-                <a:buFont typeface="Amazon Ember" panose="020B0603020204020204" pitchFamily="34" charset="0"/>
-                <a:buChar char="•"/>
-                <a:defRPr sz="1800" kern="1200">
-                  <a:solidFill>
-                    <a:schemeClr val="tx1"/>
-                  </a:solidFill>
-                  <a:latin typeface="+mn-lt"/>
-                  <a:ea typeface="+mn-ea"/>
-                  <a:cs typeface="+mn-cs"/>
-                </a:defRPr>
-              </a:lvl5pPr>
-              <a:lvl6pPr marL="2514600" indent="-228600" algn="l" defTabSz="914400" rtl="0" eaLnBrk="1" latinLnBrk="0" hangingPunct="1">
-                <a:lnSpc>
-                  <a:spcPct val="90000"/>
-                </a:lnSpc>
-                <a:spcBef>
-                  <a:spcPts val="500"/>
-                </a:spcBef>
-                <a:buFont typeface="Amazon Ember" panose="020B0603020204020204" pitchFamily="34" charset="0"/>
-                <a:buChar char="•"/>
-                <a:defRPr sz="1800" kern="1200">
-                  <a:solidFill>
-                    <a:schemeClr val="tx1"/>
-                  </a:solidFill>
-                  <a:latin typeface="+mn-lt"/>
-                  <a:ea typeface="+mn-ea"/>
-                  <a:cs typeface="+mn-cs"/>
-                </a:defRPr>
-              </a:lvl6pPr>
-              <a:lvl7pPr marL="2971800" indent="-228600" algn="l" defTabSz="914400" rtl="0" eaLnBrk="1" latinLnBrk="0" hangingPunct="1">
-                <a:lnSpc>
-                  <a:spcPct val="90000"/>
-                </a:lnSpc>
-                <a:spcBef>
-                  <a:spcPts val="500"/>
-                </a:spcBef>
-                <a:buFont typeface="Amazon Ember" panose="020B0603020204020204" pitchFamily="34" charset="0"/>
-                <a:buChar char="•"/>
-                <a:defRPr sz="1800" kern="1200">
-                  <a:solidFill>
-                    <a:schemeClr val="tx1"/>
-                  </a:solidFill>
-                  <a:latin typeface="+mn-lt"/>
-                  <a:ea typeface="+mn-ea"/>
-                  <a:cs typeface="+mn-cs"/>
-                </a:defRPr>
-              </a:lvl7pPr>
-              <a:lvl8pPr marL="3429000" indent="-228600" algn="l" defTabSz="914400" rtl="0" eaLnBrk="1" latinLnBrk="0" hangingPunct="1">
-                <a:lnSpc>
-                  <a:spcPct val="90000"/>
-                </a:lnSpc>
-                <a:spcBef>
-                  <a:spcPts val="500"/>
-                </a:spcBef>
-                <a:buFont typeface="Amazon Ember" panose="020B0603020204020204" pitchFamily="34" charset="0"/>
-                <a:buChar char="•"/>
-                <a:defRPr sz="1800" kern="1200">
-                  <a:solidFill>
-                    <a:schemeClr val="tx1"/>
-                  </a:solidFill>
-                  <a:latin typeface="+mn-lt"/>
-                  <a:ea typeface="+mn-ea"/>
-                  <a:cs typeface="+mn-cs"/>
-                </a:defRPr>
-              </a:lvl8pPr>
-              <a:lvl9pPr marL="3886200" indent="-228600" algn="l" defTabSz="914400" rtl="0" eaLnBrk="1" latinLnBrk="0" hangingPunct="1">
-                <a:lnSpc>
-                  <a:spcPct val="90000"/>
-                </a:lnSpc>
-                <a:spcBef>
-                  <a:spcPts val="500"/>
-                </a:spcBef>
-                <a:buFont typeface="Amazon Ember" panose="020B0603020204020204" pitchFamily="34" charset="0"/>
-                <a:buChar char="•"/>
-                <a:defRPr sz="1800" kern="1200">
-                  <a:solidFill>
-                    <a:schemeClr val="tx1"/>
-                  </a:solidFill>
-                  <a:latin typeface="+mn-lt"/>
-                  <a:ea typeface="+mn-ea"/>
-                  <a:cs typeface="+mn-cs"/>
-                </a:defRPr>
-              </a:lvl9pPr>
-            </a:lstStyle>
-            <a:p>
-              <a:pPr marL="0" indent="0">
-                <a:lnSpc>
-                  <a:spcPct val="100000"/>
-                </a:lnSpc>
-                <a:spcAft>
-                  <a:spcPts val="600"/>
-                </a:spcAft>
-                <a:buNone/>
-              </a:pPr>
-              <a:r>
-                <a:rPr lang="en-US" sz="2000" i="1" dirty="0">
-                  <a:solidFill>
-                    <a:schemeClr val="bg2">
-                      <a:lumMod val="40000"/>
-                      <a:lumOff val="60000"/>
-                    </a:schemeClr>
-                  </a:solidFill>
-                  <a:effectLst>
-                    <a:glow>
-                      <a:schemeClr val="bg1"/>
-                    </a:glow>
-                  </a:effectLst>
-                </a:rPr>
-                <a:t>add</a:t>
-              </a:r>
-            </a:p>
-          </p:txBody>
-        </p:sp>
-        <p:sp>
-          <p:nvSpPr>
-            <p:cNvPr id="83" name="Rounded Rectangle 82">
-              <a:extLst>
-                <a:ext uri="{FF2B5EF4-FFF2-40B4-BE49-F238E27FC236}">
-                  <a16:creationId xmlns:a16="http://schemas.microsoft.com/office/drawing/2014/main" id="{C1342D0E-9EF7-97C1-E024-BE265B5B0A57}"/>
-                </a:ext>
-              </a:extLst>
-            </p:cNvPr>
-            <p:cNvSpPr/>
-            <p:nvPr/>
-          </p:nvSpPr>
-          <p:spPr>
-            <a:xfrm>
-              <a:off x="2690269" y="4348666"/>
-              <a:ext cx="360000" cy="360000"/>
-            </a:xfrm>
-            <a:prstGeom prst="roundRect">
-              <a:avLst/>
-            </a:prstGeom>
-            <a:solidFill>
-              <a:schemeClr val="accent6"/>
-            </a:solidFill>
-            <a:ln>
-              <a:noFill/>
-            </a:ln>
-          </p:spPr>
-          <p:style>
-            <a:lnRef idx="0">
-              <a:scrgbClr r="0" g="0" b="0"/>
-            </a:lnRef>
-            <a:fillRef idx="0">
-              <a:scrgbClr r="0" g="0" b="0"/>
-            </a:fillRef>
-            <a:effectRef idx="0">
-              <a:scrgbClr r="0" g="0" b="0"/>
-            </a:effectRef>
-            <a:fontRef idx="minor">
-              <a:schemeClr val="lt1"/>
-            </a:fontRef>
-          </p:style>
-          <p:txBody>
-            <a:bodyPr lIns="45720" tIns="45720" rIns="45720" rtlCol="0" anchor="ctr"/>
-            <a:lstStyle/>
-            <a:p>
-              <a:pPr algn="ctr"/>
-              <a:r>
-                <a:rPr lang="en-GB" b="1" dirty="0">
-                  <a:solidFill>
-                    <a:schemeClr val="tx1"/>
-                  </a:solidFill>
-                </a:rPr>
-                <a:t>2</a:t>
-              </a:r>
-            </a:p>
-          </p:txBody>
-        </p:sp>
-      </p:grpSp>
-      <p:grpSp>
-        <p:nvGrpSpPr>
-          <p:cNvPr id="84" name="Group 83">
-            <a:extLst>
-              <a:ext uri="{FF2B5EF4-FFF2-40B4-BE49-F238E27FC236}">
-                <a16:creationId xmlns:a16="http://schemas.microsoft.com/office/drawing/2014/main" id="{1F88E38C-BD15-1715-6DA8-FD79CD42334B}"/>
-              </a:ext>
-            </a:extLst>
-          </p:cNvPr>
-          <p:cNvGrpSpPr/>
-          <p:nvPr/>
-        </p:nvGrpSpPr>
-        <p:grpSpPr>
-          <a:xfrm>
-            <a:off x="6274361" y="3426217"/>
-            <a:ext cx="1115610" cy="400110"/>
-            <a:chOff x="2690269" y="4328611"/>
-            <a:chExt cx="1115610" cy="400110"/>
-          </a:xfrm>
-        </p:grpSpPr>
-        <p:sp>
-          <p:nvSpPr>
-            <p:cNvPr id="85" name="Content Placeholder 2">
-              <a:extLst>
-                <a:ext uri="{FF2B5EF4-FFF2-40B4-BE49-F238E27FC236}">
-                  <a16:creationId xmlns:a16="http://schemas.microsoft.com/office/drawing/2014/main" id="{A515E474-0F84-2650-5582-9B4A847BB4FA}"/>
-                </a:ext>
-              </a:extLst>
-            </p:cNvPr>
-            <p:cNvSpPr txBox="1">
-              <a:spLocks/>
-            </p:cNvSpPr>
-            <p:nvPr/>
-          </p:nvSpPr>
-          <p:spPr>
-            <a:xfrm>
-              <a:off x="3038421" y="4328611"/>
-              <a:ext cx="767458" cy="400110"/>
-            </a:xfrm>
-            <a:prstGeom prst="rect">
-              <a:avLst/>
-            </a:prstGeom>
-          </p:spPr>
-          <p:txBody>
-            <a:bodyPr wrap="square">
-              <a:spAutoFit/>
-            </a:bodyPr>
-            <a:lstStyle>
-              <a:lvl1pPr marL="228600" indent="-228600" algn="l" defTabSz="914400" rtl="0" eaLnBrk="1" latinLnBrk="0" hangingPunct="1">
-                <a:lnSpc>
-                  <a:spcPct val="90000"/>
-                </a:lnSpc>
-                <a:spcBef>
-                  <a:spcPts val="0"/>
-                </a:spcBef>
-                <a:spcAft>
-                  <a:spcPts val="1200"/>
-                </a:spcAft>
-                <a:buSzPct val="90000"/>
-                <a:buFont typeface="Amazon Ember" panose="020B0603020204020204" pitchFamily="34" charset="0"/>
-                <a:buChar char="•"/>
-                <a:defRPr sz="2800" kern="1200">
-                  <a:solidFill>
-                    <a:schemeClr val="tx1"/>
-                  </a:solidFill>
-                  <a:latin typeface="+mn-lt"/>
-                  <a:ea typeface="+mn-ea"/>
-                  <a:cs typeface="+mn-cs"/>
-                </a:defRPr>
-              </a:lvl1pPr>
-              <a:lvl2pPr marL="457200" indent="-228600" algn="l" defTabSz="914400" rtl="0" eaLnBrk="1" latinLnBrk="0" hangingPunct="1">
-                <a:lnSpc>
-                  <a:spcPct val="90000"/>
-                </a:lnSpc>
-                <a:spcBef>
-                  <a:spcPts val="0"/>
-                </a:spcBef>
-                <a:spcAft>
-                  <a:spcPts val="1200"/>
-                </a:spcAft>
-                <a:buSzPct val="90000"/>
-                <a:buFont typeface="Wingdings" panose="05000000000000000000" pitchFamily="2" charset="2"/>
-                <a:buChar char="§"/>
-                <a:defRPr sz="2400" kern="1200">
-                  <a:solidFill>
-                    <a:schemeClr val="tx1"/>
-                  </a:solidFill>
-                  <a:latin typeface="+mn-lt"/>
-                  <a:ea typeface="+mn-ea"/>
-                  <a:cs typeface="+mn-cs"/>
-                </a:defRPr>
-              </a:lvl2pPr>
-              <a:lvl3pPr marL="685800" indent="-228600" algn="l" defTabSz="914400" rtl="0" eaLnBrk="1" latinLnBrk="0" hangingPunct="1">
-                <a:lnSpc>
-                  <a:spcPct val="90000"/>
-                </a:lnSpc>
-                <a:spcBef>
-                  <a:spcPts val="0"/>
-                </a:spcBef>
-                <a:spcAft>
-                  <a:spcPts val="1200"/>
-                </a:spcAft>
-                <a:buSzPct val="90000"/>
-                <a:buFont typeface="Amazon Ember" panose="020B0603020204020204" pitchFamily="34" charset="0"/>
-                <a:buChar char="–"/>
-                <a:defRPr sz="2000" kern="1200">
-                  <a:solidFill>
-                    <a:schemeClr val="tx1"/>
-                  </a:solidFill>
-                  <a:latin typeface="+mn-lt"/>
-                  <a:ea typeface="+mn-ea"/>
-                  <a:cs typeface="+mn-cs"/>
-                </a:defRPr>
-              </a:lvl3pPr>
-              <a:lvl4pPr marL="914400" indent="-228600" algn="l" defTabSz="914400" rtl="0" eaLnBrk="1" latinLnBrk="0" hangingPunct="1">
-                <a:lnSpc>
-                  <a:spcPct val="90000"/>
-                </a:lnSpc>
-                <a:spcBef>
-                  <a:spcPts val="0"/>
-                </a:spcBef>
-                <a:spcAft>
-                  <a:spcPts val="1200"/>
-                </a:spcAft>
-                <a:buFont typeface="Amazon Ember" panose="020B0603020204020204" pitchFamily="34" charset="0"/>
-                <a:buChar char="•"/>
-                <a:defRPr sz="1800" kern="1200">
-                  <a:solidFill>
-                    <a:schemeClr val="tx1"/>
-                  </a:solidFill>
-                  <a:latin typeface="+mn-lt"/>
-                  <a:ea typeface="+mn-ea"/>
-                  <a:cs typeface="+mn-cs"/>
-                </a:defRPr>
-              </a:lvl4pPr>
-              <a:lvl5pPr marL="1143000" indent="-228600" algn="l" defTabSz="914400" rtl="0" eaLnBrk="1" latinLnBrk="0" hangingPunct="1">
-                <a:lnSpc>
-                  <a:spcPct val="90000"/>
-                </a:lnSpc>
-                <a:spcBef>
-                  <a:spcPts val="0"/>
-                </a:spcBef>
-                <a:spcAft>
-                  <a:spcPts val="1200"/>
-                </a:spcAft>
-                <a:buFont typeface="Amazon Ember" panose="020B0603020204020204" pitchFamily="34" charset="0"/>
-                <a:buChar char="•"/>
-                <a:defRPr sz="1800" kern="1200">
-                  <a:solidFill>
-                    <a:schemeClr val="tx1"/>
-                  </a:solidFill>
-                  <a:latin typeface="+mn-lt"/>
-                  <a:ea typeface="+mn-ea"/>
-                  <a:cs typeface="+mn-cs"/>
-                </a:defRPr>
-              </a:lvl5pPr>
-              <a:lvl6pPr marL="2514600" indent="-228600" algn="l" defTabSz="914400" rtl="0" eaLnBrk="1" latinLnBrk="0" hangingPunct="1">
-                <a:lnSpc>
-                  <a:spcPct val="90000"/>
-                </a:lnSpc>
-                <a:spcBef>
-                  <a:spcPts val="500"/>
-                </a:spcBef>
-                <a:buFont typeface="Amazon Ember" panose="020B0603020204020204" pitchFamily="34" charset="0"/>
-                <a:buChar char="•"/>
-                <a:defRPr sz="1800" kern="1200">
-                  <a:solidFill>
-                    <a:schemeClr val="tx1"/>
-                  </a:solidFill>
-                  <a:latin typeface="+mn-lt"/>
-                  <a:ea typeface="+mn-ea"/>
-                  <a:cs typeface="+mn-cs"/>
-                </a:defRPr>
-              </a:lvl6pPr>
-              <a:lvl7pPr marL="2971800" indent="-228600" algn="l" defTabSz="914400" rtl="0" eaLnBrk="1" latinLnBrk="0" hangingPunct="1">
-                <a:lnSpc>
-                  <a:spcPct val="90000"/>
-                </a:lnSpc>
-                <a:spcBef>
-                  <a:spcPts val="500"/>
-                </a:spcBef>
-                <a:buFont typeface="Amazon Ember" panose="020B0603020204020204" pitchFamily="34" charset="0"/>
-                <a:buChar char="•"/>
-                <a:defRPr sz="1800" kern="1200">
-                  <a:solidFill>
-                    <a:schemeClr val="tx1"/>
-                  </a:solidFill>
-                  <a:latin typeface="+mn-lt"/>
-                  <a:ea typeface="+mn-ea"/>
-                  <a:cs typeface="+mn-cs"/>
-                </a:defRPr>
-              </a:lvl7pPr>
-              <a:lvl8pPr marL="3429000" indent="-228600" algn="l" defTabSz="914400" rtl="0" eaLnBrk="1" latinLnBrk="0" hangingPunct="1">
-                <a:lnSpc>
-                  <a:spcPct val="90000"/>
-                </a:lnSpc>
-                <a:spcBef>
-                  <a:spcPts val="500"/>
-                </a:spcBef>
-                <a:buFont typeface="Amazon Ember" panose="020B0603020204020204" pitchFamily="34" charset="0"/>
-                <a:buChar char="•"/>
-                <a:defRPr sz="1800" kern="1200">
-                  <a:solidFill>
-                    <a:schemeClr val="tx1"/>
-                  </a:solidFill>
-                  <a:latin typeface="+mn-lt"/>
-                  <a:ea typeface="+mn-ea"/>
-                  <a:cs typeface="+mn-cs"/>
-                </a:defRPr>
-              </a:lvl8pPr>
-              <a:lvl9pPr marL="3886200" indent="-228600" algn="l" defTabSz="914400" rtl="0" eaLnBrk="1" latinLnBrk="0" hangingPunct="1">
-                <a:lnSpc>
-                  <a:spcPct val="90000"/>
-                </a:lnSpc>
-                <a:spcBef>
-                  <a:spcPts val="500"/>
-                </a:spcBef>
-                <a:buFont typeface="Amazon Ember" panose="020B0603020204020204" pitchFamily="34" charset="0"/>
-                <a:buChar char="•"/>
-                <a:defRPr sz="1800" kern="1200">
-                  <a:solidFill>
-                    <a:schemeClr val="tx1"/>
-                  </a:solidFill>
-                  <a:latin typeface="+mn-lt"/>
-                  <a:ea typeface="+mn-ea"/>
-                  <a:cs typeface="+mn-cs"/>
-                </a:defRPr>
-              </a:lvl9pPr>
-            </a:lstStyle>
-            <a:p>
-              <a:pPr marL="0" indent="0">
-                <a:lnSpc>
-                  <a:spcPct val="100000"/>
-                </a:lnSpc>
-                <a:spcAft>
-                  <a:spcPts val="600"/>
-                </a:spcAft>
-                <a:buNone/>
-              </a:pPr>
-              <a:r>
-                <a:rPr lang="en-US" sz="2000" i="1" dirty="0">
-                  <a:solidFill>
-                    <a:schemeClr val="bg2">
-                      <a:lumMod val="40000"/>
-                      <a:lumOff val="60000"/>
-                    </a:schemeClr>
-                  </a:solidFill>
-                  <a:effectLst>
-                    <a:glow>
-                      <a:schemeClr val="bg1"/>
-                    </a:glow>
-                  </a:effectLst>
-                </a:rPr>
-                <a:t>QR</a:t>
-              </a:r>
-            </a:p>
-          </p:txBody>
-        </p:sp>
-        <p:sp>
-          <p:nvSpPr>
-            <p:cNvPr id="86" name="Rounded Rectangle 85">
-              <a:extLst>
-                <a:ext uri="{FF2B5EF4-FFF2-40B4-BE49-F238E27FC236}">
-                  <a16:creationId xmlns:a16="http://schemas.microsoft.com/office/drawing/2014/main" id="{AB3C59A2-F6B0-1ACE-E7AD-D421F0E45CD6}"/>
-                </a:ext>
-              </a:extLst>
-            </p:cNvPr>
-            <p:cNvSpPr/>
-            <p:nvPr/>
-          </p:nvSpPr>
-          <p:spPr>
-            <a:xfrm>
-              <a:off x="2690269" y="4348666"/>
-              <a:ext cx="360000" cy="360000"/>
-            </a:xfrm>
-            <a:prstGeom prst="roundRect">
-              <a:avLst/>
-            </a:prstGeom>
-            <a:solidFill>
-              <a:schemeClr val="accent6"/>
-            </a:solidFill>
-            <a:ln>
-              <a:noFill/>
-            </a:ln>
-          </p:spPr>
-          <p:style>
-            <a:lnRef idx="0">
-              <a:scrgbClr r="0" g="0" b="0"/>
-            </a:lnRef>
-            <a:fillRef idx="0">
-              <a:scrgbClr r="0" g="0" b="0"/>
-            </a:fillRef>
-            <a:effectRef idx="0">
-              <a:scrgbClr r="0" g="0" b="0"/>
-            </a:effectRef>
-            <a:fontRef idx="minor">
-              <a:schemeClr val="lt1"/>
-            </a:fontRef>
-          </p:style>
-          <p:txBody>
-            <a:bodyPr lIns="45720" tIns="45720" rIns="45720" rtlCol="0" anchor="ctr"/>
-            <a:lstStyle/>
-            <a:p>
-              <a:pPr algn="ctr"/>
-              <a:r>
-                <a:rPr lang="en-GB" b="1" dirty="0">
-                  <a:solidFill>
-                    <a:schemeClr val="tx1"/>
-                  </a:solidFill>
-                </a:rPr>
-                <a:t>3</a:t>
-              </a:r>
-            </a:p>
-          </p:txBody>
-        </p:sp>
-      </p:grpSp>
-      <p:sp>
-        <p:nvSpPr>
-          <p:cNvPr id="88" name="TextBox 87">
-            <a:extLst>
-              <a:ext uri="{FF2B5EF4-FFF2-40B4-BE49-F238E27FC236}">
-                <a16:creationId xmlns:a16="http://schemas.microsoft.com/office/drawing/2014/main" id="{0508E283-EB90-19DF-A380-38AB90EFF05C}"/>
-              </a:ext>
-            </a:extLst>
-          </p:cNvPr>
-          <p:cNvSpPr txBox="1"/>
-          <p:nvPr/>
-        </p:nvSpPr>
-        <p:spPr>
-          <a:xfrm>
-            <a:off x="2883160" y="2295965"/>
-            <a:ext cx="580329" cy="769441"/>
-          </a:xfrm>
-          <a:prstGeom prst="rect">
-            <a:avLst/>
-          </a:prstGeom>
-          <a:noFill/>
-        </p:spPr>
-        <p:txBody>
-          <a:bodyPr wrap="square">
-            <a:spAutoFit/>
-          </a:bodyPr>
-          <a:lstStyle/>
-          <a:p>
-            <a:pPr algn="r"/>
-            <a:r>
-              <a:rPr lang="en-US" sz="4400" baseline="-9000" dirty="0">
-                <a:solidFill>
-                  <a:schemeClr val="bg2">
-                    <a:lumMod val="40000"/>
-                    <a:lumOff val="60000"/>
-                  </a:schemeClr>
-                </a:solidFill>
-                <a:effectLst>
-                  <a:glow>
-                    <a:schemeClr val="bg1"/>
-                  </a:glow>
-                </a:effectLst>
-              </a:rPr>
-              <a:t>🧑‍🦰</a:t>
-            </a:r>
-            <a:endParaRPr lang="en-PT" sz="4400" dirty="0"/>
-          </a:p>
-        </p:txBody>
-      </p:sp>
-      <p:cxnSp>
-        <p:nvCxnSpPr>
-          <p:cNvPr id="91" name="Straight Arrow Connector 12">
-            <a:extLst>
-              <a:ext uri="{FF2B5EF4-FFF2-40B4-BE49-F238E27FC236}">
-                <a16:creationId xmlns:a16="http://schemas.microsoft.com/office/drawing/2014/main" id="{52A95C9F-CDA6-9452-50A5-1CE26CB659DF}"/>
-              </a:ext>
-            </a:extLst>
-          </p:cNvPr>
-          <p:cNvCxnSpPr>
-            <a:cxnSpLocks/>
-            <a:stCxn id="88" idx="3"/>
-            <a:endCxn id="51" idx="1"/>
-          </p:cNvCxnSpPr>
-          <p:nvPr/>
-        </p:nvCxnSpPr>
-        <p:spPr>
-          <a:xfrm flipV="1">
-            <a:off x="3463489" y="2680234"/>
-            <a:ext cx="581940" cy="452"/>
-          </a:xfrm>
-          <a:prstGeom prst="straightConnector1">
-            <a:avLst/>
-          </a:prstGeom>
-          <a:ln w="19050" cap="flat" cmpd="sng" algn="ctr">
-            <a:solidFill>
-              <a:schemeClr val="accent6">
-                <a:lumMod val="60000"/>
-                <a:lumOff val="40000"/>
-              </a:schemeClr>
-            </a:solidFill>
-            <a:prstDash val="dash"/>
-            <a:round/>
-            <a:headEnd type="none" w="med" len="med"/>
-            <a:tailEnd type="triangle" w="lg" len="lg"/>
-          </a:ln>
-        </p:spPr>
-        <p:style>
-          <a:lnRef idx="0">
-            <a:scrgbClr r="0" g="0" b="0"/>
-          </a:lnRef>
-          <a:fillRef idx="0">
-            <a:scrgbClr r="0" g="0" b="0"/>
-          </a:fillRef>
-          <a:effectRef idx="0">
-            <a:scrgbClr r="0" g="0" b="0"/>
-          </a:effectRef>
-          <a:fontRef idx="minor">
-            <a:schemeClr val="tx1"/>
-          </a:fontRef>
-        </p:style>
-      </p:cxnSp>
-      <p:sp>
-        <p:nvSpPr>
-          <p:cNvPr id="94" name="TextBox 93">
-            <a:extLst>
-              <a:ext uri="{FF2B5EF4-FFF2-40B4-BE49-F238E27FC236}">
-                <a16:creationId xmlns:a16="http://schemas.microsoft.com/office/drawing/2014/main" id="{17C832DD-62FE-3DBD-885B-650E53DB7564}"/>
-              </a:ext>
-            </a:extLst>
-          </p:cNvPr>
-          <p:cNvSpPr txBox="1"/>
-          <p:nvPr/>
-        </p:nvSpPr>
-        <p:spPr>
-          <a:xfrm>
-            <a:off x="2883160" y="4298886"/>
-            <a:ext cx="580329" cy="769441"/>
-          </a:xfrm>
-          <a:prstGeom prst="rect">
-            <a:avLst/>
-          </a:prstGeom>
-          <a:noFill/>
-        </p:spPr>
-        <p:txBody>
-          <a:bodyPr wrap="square">
-            <a:spAutoFit/>
-          </a:bodyPr>
-          <a:lstStyle/>
-          <a:p>
-            <a:pPr algn="r"/>
-            <a:r>
-              <a:rPr lang="en-US" sz="4400" baseline="-9000" dirty="0">
-                <a:solidFill>
-                  <a:schemeClr val="bg2">
-                    <a:lumMod val="40000"/>
-                    <a:lumOff val="60000"/>
-                  </a:schemeClr>
-                </a:solidFill>
-                <a:effectLst>
-                  <a:glow>
-                    <a:schemeClr val="bg1"/>
-                  </a:glow>
-                </a:effectLst>
-              </a:rPr>
-              <a:t>🧑‍🦰</a:t>
-            </a:r>
-            <a:endParaRPr lang="en-PT" sz="4400" dirty="0"/>
-          </a:p>
-        </p:txBody>
-      </p:sp>
-      <p:cxnSp>
-        <p:nvCxnSpPr>
-          <p:cNvPr id="95" name="Straight Arrow Connector 12">
-            <a:extLst>
-              <a:ext uri="{FF2B5EF4-FFF2-40B4-BE49-F238E27FC236}">
-                <a16:creationId xmlns:a16="http://schemas.microsoft.com/office/drawing/2014/main" id="{7BA45246-95B5-E4CE-5A87-818F05201738}"/>
-              </a:ext>
-            </a:extLst>
-          </p:cNvPr>
-          <p:cNvCxnSpPr>
-            <a:cxnSpLocks/>
-            <a:stCxn id="94" idx="3"/>
-            <a:endCxn id="43" idx="1"/>
-          </p:cNvCxnSpPr>
-          <p:nvPr/>
-        </p:nvCxnSpPr>
-        <p:spPr>
-          <a:xfrm flipV="1">
-            <a:off x="3463489" y="4675590"/>
-            <a:ext cx="581942" cy="8017"/>
-          </a:xfrm>
-          <a:prstGeom prst="straightConnector1">
-            <a:avLst/>
-          </a:prstGeom>
-          <a:ln w="19050" cap="flat" cmpd="sng" algn="ctr">
-            <a:solidFill>
-              <a:schemeClr val="accent2"/>
-            </a:solidFill>
-            <a:prstDash val="dash"/>
-            <a:round/>
-            <a:headEnd type="none" w="med" len="med"/>
-            <a:tailEnd type="triangle" w="lg" len="lg"/>
-          </a:ln>
-        </p:spPr>
-        <p:style>
-          <a:lnRef idx="0">
-            <a:scrgbClr r="0" g="0" b="0"/>
-          </a:lnRef>
-          <a:fillRef idx="0">
-            <a:scrgbClr r="0" g="0" b="0"/>
-          </a:fillRef>
-          <a:effectRef idx="0">
-            <a:scrgbClr r="0" g="0" b="0"/>
-          </a:effectRef>
-          <a:fontRef idx="minor">
-            <a:schemeClr val="tx1"/>
-          </a:fontRef>
-        </p:style>
-      </p:cxnSp>
-      <p:sp>
-        <p:nvSpPr>
-          <p:cNvPr id="98" name="Rounded Rectangle 97">
-            <a:extLst>
-              <a:ext uri="{FF2B5EF4-FFF2-40B4-BE49-F238E27FC236}">
-                <a16:creationId xmlns:a16="http://schemas.microsoft.com/office/drawing/2014/main" id="{AEC53BE4-2AA2-71FF-189D-F20F2FA88E30}"/>
-              </a:ext>
-            </a:extLst>
-          </p:cNvPr>
-          <p:cNvSpPr/>
-          <p:nvPr/>
-        </p:nvSpPr>
-        <p:spPr>
-          <a:xfrm>
-            <a:off x="3446980" y="2183511"/>
-            <a:ext cx="360000" cy="360000"/>
-          </a:xfrm>
-          <a:prstGeom prst="roundRect">
-            <a:avLst/>
-          </a:prstGeom>
-          <a:solidFill>
-            <a:schemeClr val="accent6"/>
-          </a:solidFill>
-          <a:ln>
-            <a:noFill/>
-          </a:ln>
-        </p:spPr>
-        <p:style>
-          <a:lnRef idx="0">
-            <a:scrgbClr r="0" g="0" b="0"/>
-          </a:lnRef>
-          <a:fillRef idx="0">
-            <a:scrgbClr r="0" g="0" b="0"/>
-          </a:fillRef>
-          <a:effectRef idx="0">
-            <a:scrgbClr r="0" g="0" b="0"/>
-          </a:effectRef>
-          <a:fontRef idx="minor">
-            <a:schemeClr val="lt1"/>
-          </a:fontRef>
-        </p:style>
-        <p:txBody>
-          <a:bodyPr lIns="45720" tIns="45720" rIns="45720" rtlCol="0" anchor="ctr"/>
-          <a:lstStyle/>
-          <a:p>
-            <a:pPr algn="ctr"/>
-            <a:r>
-              <a:rPr lang="en-GB" b="1" dirty="0">
-                <a:solidFill>
-                  <a:schemeClr val="tx1"/>
-                </a:solidFill>
-              </a:rPr>
-              <a:t>1</a:t>
-            </a:r>
-          </a:p>
-        </p:txBody>
-      </p:sp>
-      <p:sp>
-        <p:nvSpPr>
-          <p:cNvPr id="99" name="Rounded Rectangle 98">
-            <a:extLst>
-              <a:ext uri="{FF2B5EF4-FFF2-40B4-BE49-F238E27FC236}">
-                <a16:creationId xmlns:a16="http://schemas.microsoft.com/office/drawing/2014/main" id="{37542320-E6F0-8E1E-E0B7-BCDBFDD4C126}"/>
-              </a:ext>
-            </a:extLst>
-          </p:cNvPr>
-          <p:cNvSpPr/>
-          <p:nvPr/>
-        </p:nvSpPr>
-        <p:spPr>
-          <a:xfrm>
-            <a:off x="3455048" y="4817696"/>
-            <a:ext cx="360000" cy="360000"/>
-          </a:xfrm>
-          <a:prstGeom prst="roundRect">
-            <a:avLst/>
-          </a:prstGeom>
-          <a:solidFill>
-            <a:schemeClr val="accent2"/>
-          </a:solidFill>
-          <a:ln>
-            <a:noFill/>
-          </a:ln>
-        </p:spPr>
-        <p:style>
-          <a:lnRef idx="0">
-            <a:scrgbClr r="0" g="0" b="0"/>
-          </a:lnRef>
-          <a:fillRef idx="0">
-            <a:scrgbClr r="0" g="0" b="0"/>
-          </a:fillRef>
-          <a:effectRef idx="0">
-            <a:scrgbClr r="0" g="0" b="0"/>
-          </a:effectRef>
-          <a:fontRef idx="minor">
-            <a:schemeClr val="lt1"/>
-          </a:fontRef>
-        </p:style>
-        <p:txBody>
-          <a:bodyPr lIns="45720" tIns="45720" rIns="45720" rtlCol="0" anchor="ctr"/>
-          <a:lstStyle/>
-          <a:p>
-            <a:pPr algn="ctr"/>
-            <a:r>
-              <a:rPr lang="en-GB" b="1" dirty="0">
-                <a:solidFill>
-                  <a:schemeClr val="tx1"/>
-                </a:solidFill>
-              </a:rPr>
-              <a:t>7</a:t>
+              <a:t>4</a:t>
             </a:r>
           </a:p>
         </p:txBody>
@@ -14845,13 +13140,13 @@
   <p:clrMapOvr>
     <a:masterClrMapping/>
   </p:clrMapOvr>
-  <mc:AlternateContent xmlns:mc="http://schemas.openxmlformats.org/markup-compatibility/2006">
-    <mc:Choice xmlns:p14="http://schemas.microsoft.com/office/powerpoint/2010/main" Requires="p14">
+  <mc:AlternateContent xmlns:mc="http://schemas.openxmlformats.org/markup-compatibility/2006" xmlns:p14="http://schemas.microsoft.com/office/powerpoint/2010/main">
+    <mc:Choice Requires="p14">
       <p:transition spd="med" p14:dur="700">
         <p:fade/>
       </p:transition>
     </mc:Choice>
-    <mc:Fallback>
+    <mc:Fallback xmlns="">
       <p:transition spd="med">
         <p:fade/>
       </p:transition>
